--- a/FullStackOverview/FullStackOverview.pptx
+++ b/FullStackOverview/FullStackOverview.pptx
@@ -221,7 +221,7 @@
           <a:p>
             <a:fld id="{19104133-B5B0-4351-8158-4F0E5EB1E2BF}" type="datetimeFigureOut">
               <a:rPr lang="en-US" smtClean="0"/>
-              <a:t>12/2/2019</a:t>
+              <a:t>1/10/2020</a:t>
             </a:fld>
             <a:endParaRPr lang="en-US"/>
           </a:p>
@@ -931,8 +931,17 @@
             </a:r>
             <a:r>
               <a:rPr lang="en-US" b="0" baseline="0" dirty="0" smtClean="0"/>
-              <a:t> stores, processes, and delivers webpages to clients.</a:t>
+              <a:t> stores, processes, and delivers webpages to </a:t>
             </a:r>
+            <a:r>
+              <a:rPr lang="en-US" b="0" baseline="0" smtClean="0"/>
+              <a:t>clients</a:t>
+            </a:r>
+            <a:r>
+              <a:rPr lang="en-US" b="0" baseline="0" smtClean="0"/>
+              <a:t>.</a:t>
+            </a:r>
+            <a:endParaRPr lang="en-US" b="0" baseline="0" dirty="0" smtClean="0"/>
           </a:p>
           <a:p>
             <a:r>
@@ -1319,6 +1328,90 @@
     <p:extLst>
       <p:ext uri="{BB962C8B-B14F-4D97-AF65-F5344CB8AC3E}">
         <p14:creationId xmlns:p14="http://schemas.microsoft.com/office/powerpoint/2010/main" val="1751035789"/>
+      </p:ext>
+    </p:extLst>
+  </p:cSld>
+  <p:clrMapOvr>
+    <a:masterClrMapping/>
+  </p:clrMapOvr>
+</p:notes>
+</file>
+
+<file path=ppt/notesSlides/notesSlide9.xml><?xml version="1.0" encoding="utf-8"?>
+<p:notes xmlns:a="http://schemas.openxmlformats.org/drawingml/2006/main" xmlns:r="http://schemas.openxmlformats.org/officeDocument/2006/relationships" xmlns:p="http://schemas.openxmlformats.org/presentationml/2006/main">
+  <p:cSld>
+    <p:spTree>
+      <p:nvGrpSpPr>
+        <p:cNvPr id="1" name=""/>
+        <p:cNvGrpSpPr/>
+        <p:nvPr/>
+      </p:nvGrpSpPr>
+      <p:grpSpPr>
+        <a:xfrm>
+          <a:off x="0" y="0"/>
+          <a:ext cx="0" cy="0"/>
+          <a:chOff x="0" y="0"/>
+          <a:chExt cx="0" cy="0"/>
+        </a:xfrm>
+      </p:grpSpPr>
+      <p:sp>
+        <p:nvSpPr>
+          <p:cNvPr id="2" name="Slide Image Placeholder 1"/>
+          <p:cNvSpPr>
+            <a:spLocks noGrp="1" noRot="1" noChangeAspect="1"/>
+          </p:cNvSpPr>
+          <p:nvPr>
+            <p:ph type="sldImg"/>
+          </p:nvPr>
+        </p:nvSpPr>
+        <p:spPr/>
+      </p:sp>
+      <p:sp>
+        <p:nvSpPr>
+          <p:cNvPr id="3" name="Notes Placeholder 2"/>
+          <p:cNvSpPr>
+            <a:spLocks noGrp="1"/>
+          </p:cNvSpPr>
+          <p:nvPr>
+            <p:ph type="body" idx="1"/>
+          </p:nvPr>
+        </p:nvSpPr>
+        <p:spPr/>
+        <p:txBody>
+          <a:bodyPr/>
+          <a:lstStyle/>
+          <a:p>
+            <a:endParaRPr lang="en-US" dirty="0"/>
+          </a:p>
+        </p:txBody>
+      </p:sp>
+      <p:sp>
+        <p:nvSpPr>
+          <p:cNvPr id="4" name="Slide Number Placeholder 3"/>
+          <p:cNvSpPr>
+            <a:spLocks noGrp="1"/>
+          </p:cNvSpPr>
+          <p:nvPr>
+            <p:ph type="sldNum" sz="quarter" idx="10"/>
+          </p:nvPr>
+        </p:nvSpPr>
+        <p:spPr/>
+        <p:txBody>
+          <a:bodyPr/>
+          <a:lstStyle/>
+          <a:p>
+            <a:fld id="{DEC8F7F9-57EC-49CF-9FCD-2B781E4B449F}" type="slidenum">
+              <a:rPr lang="en-US" smtClean="0"/>
+              <a:t>14</a:t>
+            </a:fld>
+            <a:endParaRPr lang="en-US"/>
+          </a:p>
+        </p:txBody>
+      </p:sp>
+    </p:spTree>
+    <p:extLst>
+      <p:ext uri="{BB962C8B-B14F-4D97-AF65-F5344CB8AC3E}">
+        <p14:creationId xmlns:p14="http://schemas.microsoft.com/office/powerpoint/2010/main" val="1309092979"/>
       </p:ext>
     </p:extLst>
   </p:cSld>
@@ -1518,7 +1611,7 @@
             <a:fld id="{1C2D31DE-C454-491C-B5C3-F097855E3DF7}" type="datetime4">
               <a:rPr lang="en-US" smtClean="0"/>
               <a:pPr/>
-              <a:t>December 2, 2019</a:t>
+              <a:t>January 10, 2020</a:t>
             </a:fld>
             <a:endParaRPr lang="en-US" dirty="0"/>
           </a:p>
@@ -4918,7 +5011,7 @@
           <a:p>
             <a:fld id="{5958763E-B898-436D-883D-03711491D54A}" type="datetimeFigureOut">
               <a:rPr lang="en-US" smtClean="0"/>
-              <a:t>12/2/2019</a:t>
+              <a:t>1/10/2020</a:t>
             </a:fld>
             <a:endParaRPr lang="en-US"/>
           </a:p>
@@ -5119,7 +5212,7 @@
           <a:p>
             <a:fld id="{5958763E-B898-436D-883D-03711491D54A}" type="datetimeFigureOut">
               <a:rPr lang="en-US" smtClean="0"/>
-              <a:t>12/2/2019</a:t>
+              <a:t>1/10/2020</a:t>
             </a:fld>
             <a:endParaRPr lang="en-US"/>
           </a:p>
@@ -5376,7 +5469,7 @@
           <a:p>
             <a:fld id="{5958763E-B898-436D-883D-03711491D54A}" type="datetimeFigureOut">
               <a:rPr lang="en-US" smtClean="0"/>
-              <a:t>12/2/2019</a:t>
+              <a:t>1/10/2020</a:t>
             </a:fld>
             <a:endParaRPr lang="en-US"/>
           </a:p>
@@ -5731,7 +5824,7 @@
           <a:p>
             <a:fld id="{5958763E-B898-436D-883D-03711491D54A}" type="datetimeFigureOut">
               <a:rPr lang="en-US" smtClean="0"/>
-              <a:t>12/2/2019</a:t>
+              <a:t>1/10/2020</a:t>
             </a:fld>
             <a:endParaRPr lang="en-US"/>
           </a:p>
@@ -6154,7 +6247,7 @@
           <a:p>
             <a:fld id="{5958763E-B898-436D-883D-03711491D54A}" type="datetimeFigureOut">
               <a:rPr lang="en-US" smtClean="0"/>
-              <a:t>12/2/2019</a:t>
+              <a:t>1/10/2020</a:t>
             </a:fld>
             <a:endParaRPr lang="en-US"/>
           </a:p>
@@ -6662,7 +6755,7 @@
           <a:p>
             <a:fld id="{5958763E-B898-436D-883D-03711491D54A}" type="datetimeFigureOut">
               <a:rPr lang="en-US" smtClean="0"/>
-              <a:t>12/2/2019</a:t>
+              <a:t>1/10/2020</a:t>
             </a:fld>
             <a:endParaRPr lang="en-US"/>
           </a:p>
@@ -7120,7 +7213,7 @@
           <a:p>
             <a:fld id="{5958763E-B898-436D-883D-03711491D54A}" type="datetimeFigureOut">
               <a:rPr lang="en-US" smtClean="0"/>
-              <a:t>12/2/2019</a:t>
+              <a:t>1/10/2020</a:t>
             </a:fld>
             <a:endParaRPr lang="en-US"/>
           </a:p>
@@ -7738,7 +7831,7 @@
           <a:p>
             <a:fld id="{5958763E-B898-436D-883D-03711491D54A}" type="datetimeFigureOut">
               <a:rPr lang="en-US" smtClean="0"/>
-              <a:t>12/2/2019</a:t>
+              <a:t>1/10/2020</a:t>
             </a:fld>
             <a:endParaRPr lang="en-US"/>
           </a:p>
@@ -8516,7 +8609,7 @@
           <a:p>
             <a:fld id="{5958763E-B898-436D-883D-03711491D54A}" type="datetimeFigureOut">
               <a:rPr lang="en-US" smtClean="0"/>
-              <a:t>12/2/2019</a:t>
+              <a:t>1/10/2020</a:t>
             </a:fld>
             <a:endParaRPr lang="en-US"/>
           </a:p>
@@ -8627,7 +8720,7 @@
           <a:p>
             <a:fld id="{5958763E-B898-436D-883D-03711491D54A}" type="datetimeFigureOut">
               <a:rPr lang="en-US" smtClean="0"/>
-              <a:t>12/2/2019</a:t>
+              <a:t>1/10/2020</a:t>
             </a:fld>
             <a:endParaRPr lang="en-US"/>
           </a:p>
@@ -8969,7 +9062,7 @@
             <a:fld id="{1C2D31DE-C454-491C-B5C3-F097855E3DF7}" type="datetime4">
               <a:rPr lang="en-US" smtClean="0"/>
               <a:pPr/>
-              <a:t>December 2, 2019</a:t>
+              <a:t>January 10, 2020</a:t>
             </a:fld>
             <a:endParaRPr lang="en-US" dirty="0"/>
           </a:p>
@@ -12129,7 +12222,7 @@
           <a:p>
             <a:fld id="{5958763E-B898-436D-883D-03711491D54A}" type="datetimeFigureOut">
               <a:rPr lang="en-US" smtClean="0"/>
-              <a:t>12/2/2019</a:t>
+              <a:t>1/10/2020</a:t>
             </a:fld>
             <a:endParaRPr lang="en-US"/>
           </a:p>
@@ -12260,7 +12353,7 @@
           <a:p>
             <a:fld id="{5958763E-B898-436D-883D-03711491D54A}" type="datetimeFigureOut">
               <a:rPr lang="en-US" smtClean="0"/>
-              <a:t>12/2/2019</a:t>
+              <a:t>1/10/2020</a:t>
             </a:fld>
             <a:endParaRPr lang="en-US"/>
           </a:p>
@@ -12391,7 +12484,7 @@
           <a:p>
             <a:fld id="{5958763E-B898-436D-883D-03711491D54A}" type="datetimeFigureOut">
               <a:rPr lang="en-US" smtClean="0"/>
-              <a:t>12/2/2019</a:t>
+              <a:t>1/10/2020</a:t>
             </a:fld>
             <a:endParaRPr lang="en-US"/>
           </a:p>
@@ -12522,7 +12615,7 @@
           <a:p>
             <a:fld id="{5958763E-B898-436D-883D-03711491D54A}" type="datetimeFigureOut">
               <a:rPr lang="en-US" smtClean="0"/>
-              <a:t>12/2/2019</a:t>
+              <a:t>1/10/2020</a:t>
             </a:fld>
             <a:endParaRPr lang="en-US"/>
           </a:p>
@@ -12653,7 +12746,7 @@
           <a:p>
             <a:fld id="{5958763E-B898-436D-883D-03711491D54A}" type="datetimeFigureOut">
               <a:rPr lang="en-US" smtClean="0"/>
-              <a:t>12/2/2019</a:t>
+              <a:t>1/10/2020</a:t>
             </a:fld>
             <a:endParaRPr lang="en-US"/>
           </a:p>
@@ -12784,7 +12877,7 @@
           <a:p>
             <a:fld id="{5958763E-B898-436D-883D-03711491D54A}" type="datetimeFigureOut">
               <a:rPr lang="en-US" smtClean="0"/>
-              <a:t>12/2/2019</a:t>
+              <a:t>1/10/2020</a:t>
             </a:fld>
             <a:endParaRPr lang="en-US"/>
           </a:p>
@@ -12915,7 +13008,7 @@
           <a:p>
             <a:fld id="{5958763E-B898-436D-883D-03711491D54A}" type="datetimeFigureOut">
               <a:rPr lang="en-US" smtClean="0"/>
-              <a:t>12/2/2019</a:t>
+              <a:t>1/10/2020</a:t>
             </a:fld>
             <a:endParaRPr lang="en-US"/>
           </a:p>
@@ -13046,7 +13139,7 @@
           <a:p>
             <a:fld id="{5958763E-B898-436D-883D-03711491D54A}" type="datetimeFigureOut">
               <a:rPr lang="en-US" smtClean="0"/>
-              <a:t>12/2/2019</a:t>
+              <a:t>1/10/2020</a:t>
             </a:fld>
             <a:endParaRPr lang="en-US"/>
           </a:p>
@@ -13186,7 +13279,7 @@
           <a:p>
             <a:fld id="{5958763E-B898-436D-883D-03711491D54A}" type="datetimeFigureOut">
               <a:rPr lang="en-US" smtClean="0"/>
-              <a:t>12/2/2019</a:t>
+              <a:t>1/10/2020</a:t>
             </a:fld>
             <a:endParaRPr lang="en-US"/>
           </a:p>
@@ -16547,7 +16640,7 @@
             <a:fld id="{1C2D31DE-C454-491C-B5C3-F097855E3DF7}" type="datetime4">
               <a:rPr lang="en-US" smtClean="0"/>
               <a:pPr/>
-              <a:t>December 2, 2019</a:t>
+              <a:t>January 10, 2020</a:t>
             </a:fld>
             <a:endParaRPr lang="en-US" dirty="0"/>
           </a:p>
@@ -28792,7 +28885,7 @@
           <a:p>
             <a:fld id="{5958763E-B898-436D-883D-03711491D54A}" type="datetimeFigureOut">
               <a:rPr lang="en-US" smtClean="0"/>
-              <a:t>12/2/2019</a:t>
+              <a:t>1/10/2020</a:t>
             </a:fld>
             <a:endParaRPr lang="en-US"/>
           </a:p>
@@ -29201,7 +29294,7 @@
           <a:p>
             <a:fld id="{5958763E-B898-436D-883D-03711491D54A}" type="datetimeFigureOut">
               <a:rPr lang="en-US" smtClean="0"/>
-              <a:t>12/2/2019</a:t>
+              <a:t>1/10/2020</a:t>
             </a:fld>
             <a:endParaRPr lang="en-US"/>
           </a:p>
@@ -29502,7 +29595,7 @@
           <a:p>
             <a:fld id="{5958763E-B898-436D-883D-03711491D54A}" type="datetimeFigureOut">
               <a:rPr lang="en-US" smtClean="0"/>
-              <a:t>12/2/2019</a:t>
+              <a:t>1/10/2020</a:t>
             </a:fld>
             <a:endParaRPr lang="en-US"/>
           </a:p>
@@ -29710,7 +29803,7 @@
           <a:p>
             <a:fld id="{5958763E-B898-436D-883D-03711491D54A}" type="datetimeFigureOut">
               <a:rPr lang="en-US" smtClean="0"/>
-              <a:t>12/2/2019</a:t>
+              <a:t>1/10/2020</a:t>
             </a:fld>
             <a:endParaRPr lang="en-US"/>
           </a:p>
@@ -29978,7 +30071,7 @@
           <a:p>
             <a:fld id="{5958763E-B898-436D-883D-03711491D54A}" type="datetimeFigureOut">
               <a:rPr lang="en-US" smtClean="0"/>
-              <a:t>12/2/2019</a:t>
+              <a:t>1/10/2020</a:t>
             </a:fld>
             <a:endParaRPr lang="en-US"/>
           </a:p>
@@ -30495,7 +30588,7 @@
           <a:p>
             <a:fld id="{5958763E-B898-436D-883D-03711491D54A}" type="datetimeFigureOut">
               <a:rPr lang="en-US" smtClean="0"/>
-              <a:t>12/2/2019</a:t>
+              <a:t>1/10/2020</a:t>
             </a:fld>
             <a:endParaRPr lang="en-US"/>
           </a:p>
@@ -30983,7 +31076,7 @@
           <a:p>
             <a:fld id="{5958763E-B898-436D-883D-03711491D54A}" type="datetimeFigureOut">
               <a:rPr lang="en-US" smtClean="0"/>
-              <a:t>12/2/2019</a:t>
+              <a:t>1/10/2020</a:t>
             </a:fld>
             <a:endParaRPr lang="en-US"/>
           </a:p>
@@ -31809,7 +31902,7 @@
           <a:p>
             <a:fld id="{5958763E-B898-436D-883D-03711491D54A}" type="datetimeFigureOut">
               <a:rPr lang="en-US" smtClean="0"/>
-              <a:t>12/2/2019</a:t>
+              <a:t>1/10/2020</a:t>
             </a:fld>
             <a:endParaRPr lang="en-US"/>
           </a:p>
@@ -32017,7 +32110,7 @@
           <a:p>
             <a:fld id="{5958763E-B898-436D-883D-03711491D54A}" type="datetimeFigureOut">
               <a:rPr lang="en-US" smtClean="0"/>
-              <a:t>12/2/2019</a:t>
+              <a:t>1/10/2020</a:t>
             </a:fld>
             <a:endParaRPr lang="en-US"/>
           </a:p>
@@ -32359,7 +32452,7 @@
           <a:p>
             <a:fld id="{5958763E-B898-436D-883D-03711491D54A}" type="datetimeFigureOut">
               <a:rPr lang="en-US" smtClean="0"/>
-              <a:t>12/2/2019</a:t>
+              <a:t>1/10/2020</a:t>
             </a:fld>
             <a:endParaRPr lang="en-US"/>
           </a:p>
@@ -32596,7 +32689,7 @@
           <a:p>
             <a:fld id="{5958763E-B898-436D-883D-03711491D54A}" type="datetimeFigureOut">
               <a:rPr lang="en-US" smtClean="0"/>
-              <a:t>12/2/2019</a:t>
+              <a:t>1/10/2020</a:t>
             </a:fld>
             <a:endParaRPr lang="en-US"/>
           </a:p>
@@ -32847,7 +32940,7 @@
           <a:p>
             <a:fld id="{5958763E-B898-436D-883D-03711491D54A}" type="datetimeFigureOut">
               <a:rPr lang="en-US" smtClean="0"/>
-              <a:t>12/2/2019</a:t>
+              <a:t>1/10/2020</a:t>
             </a:fld>
             <a:endParaRPr lang="en-US"/>
           </a:p>
@@ -36692,11 +36785,6 @@
               </a:rPr>
               <a:t>Join Date </a:t>
             </a:r>
-            <a:endParaRPr lang="en-US" sz="4400" dirty="0" smtClean="0">
-              <a:solidFill>
-                <a:schemeClr val="accent1"/>
-              </a:solidFill>
-            </a:endParaRPr>
           </a:p>
         </p:txBody>
       </p:sp>
@@ -36882,11 +36970,7 @@
           <a:p>
             <a:r>
               <a:rPr lang="en-US" dirty="0" smtClean="0"/>
-              <a:t>Back-end </a:t>
-            </a:r>
-            <a:r>
-              <a:rPr lang="en-US" dirty="0" smtClean="0"/>
-              <a:t>– Data Transfer</a:t>
+              <a:t>Back-end – Data Transfer</a:t>
             </a:r>
             <a:endParaRPr lang="en-US" dirty="0"/>
           </a:p>
@@ -36924,11 +37008,7 @@
             </a:r>
             <a:r>
               <a:rPr lang="en-US" sz="3200" dirty="0" err="1" smtClean="0"/>
-              <a:t>yp</a:t>
-            </a:r>
-            <a:r>
-              <a:rPr lang="en-US" sz="3200" dirty="0" err="1" smtClean="0"/>
-              <a:t>er</a:t>
+              <a:t>yper</a:t>
             </a:r>
             <a:r>
               <a:rPr lang="en-US" sz="3200" b="1" dirty="0" err="1"/>
@@ -36958,7 +37038,6 @@
               <a:rPr lang="en-US" sz="3200" dirty="0" smtClean="0"/>
               <a:t>rotocol</a:t>
             </a:r>
-            <a:endParaRPr lang="en-US" sz="3200" dirty="0" smtClean="0"/>
           </a:p>
           <a:p>
             <a:endParaRPr lang="en-US" sz="3200" dirty="0" smtClean="0"/>
@@ -36977,7 +37056,6 @@
               <a:rPr lang="en-US" sz="3200" dirty="0" smtClean="0"/>
               <a:t>If the front-end wants to update data, the server will update the database as needed</a:t>
             </a:r>
-            <a:endParaRPr lang="en-US" sz="3200" dirty="0" smtClean="0"/>
           </a:p>
         </p:txBody>
       </p:sp>
@@ -37148,15 +37226,7 @@
           <a:p>
             <a:r>
               <a:rPr lang="en-US" dirty="0" smtClean="0"/>
-              <a:t>Full-stack </a:t>
-            </a:r>
-            <a:r>
-              <a:rPr lang="en-US" dirty="0" smtClean="0"/>
-              <a:t>– </a:t>
-            </a:r>
-            <a:r>
-              <a:rPr lang="en-US" dirty="0" smtClean="0"/>
-              <a:t>Everything</a:t>
+              <a:t>Full-stack – Everything</a:t>
             </a:r>
             <a:endParaRPr lang="en-US" dirty="0"/>
           </a:p>
@@ -38235,7 +38305,7 @@
           <p:nvPr/>
         </p:nvPicPr>
         <p:blipFill>
-          <a:blip r:embed="rId2" cstate="hqprint">
+          <a:blip r:embed="rId3" cstate="hqprint">
             <a:extLst>
               <a:ext uri="{28A0092B-C50C-407E-A947-70E740481C1C}">
                 <a14:useLocalDpi xmlns:a14="http://schemas.microsoft.com/office/drawing/2010/main" val="0"/>
@@ -38276,7 +38346,7 @@
           <p:nvPr/>
         </p:nvPicPr>
         <p:blipFill>
-          <a:blip r:embed="rId3" cstate="hqprint">
+          <a:blip r:embed="rId4" cstate="hqprint">
             <a:extLst>
               <a:ext uri="{28A0092B-C50C-407E-A947-70E740481C1C}">
                 <a14:useLocalDpi xmlns:a14="http://schemas.microsoft.com/office/drawing/2010/main" val="0"/>
@@ -38317,7 +38387,7 @@
           <p:nvPr/>
         </p:nvPicPr>
         <p:blipFill>
-          <a:blip r:embed="rId4" cstate="hqprint">
+          <a:blip r:embed="rId5" cstate="hqprint">
             <a:extLst>
               <a:ext uri="{28A0092B-C50C-407E-A947-70E740481C1C}">
                 <a14:useLocalDpi xmlns:a14="http://schemas.microsoft.com/office/drawing/2010/main" val="0"/>
@@ -39523,15 +39593,7 @@
             </a:r>
             <a:r>
               <a:rPr lang="en-US" dirty="0" smtClean="0"/>
-              <a:t> the </a:t>
-            </a:r>
-            <a:r>
-              <a:rPr lang="en-US" dirty="0" smtClean="0"/>
-              <a:t>back-end </a:t>
-            </a:r>
-            <a:r>
-              <a:rPr lang="en-US" dirty="0" smtClean="0"/>
-              <a:t>and uses it to show the information </a:t>
+              <a:t> the back-end and uses it to show the information </a:t>
             </a:r>
             <a:r>
               <a:rPr lang="en-US" i="1" dirty="0" smtClean="0"/>
@@ -40780,15 +40842,7 @@
             </a:r>
             <a:r>
               <a:rPr lang="en-US" dirty="0" smtClean="0"/>
-              <a:t> the </a:t>
-            </a:r>
-            <a:r>
-              <a:rPr lang="en-US" dirty="0" smtClean="0"/>
-              <a:t>back-end </a:t>
-            </a:r>
-            <a:r>
-              <a:rPr lang="en-US" dirty="0" smtClean="0"/>
-              <a:t>to update it</a:t>
+              <a:t> the back-end to update it</a:t>
             </a:r>
           </a:p>
           <a:p>
@@ -41938,10 +41992,6 @@
               <a:rPr lang="en-US" dirty="0" smtClean="0"/>
               <a:t>Back-end</a:t>
             </a:r>
-            <a:r>
-              <a:rPr lang="en-US" dirty="0" smtClean="0"/>
-              <a:t/>
-            </a:r>
             <a:br>
               <a:rPr lang="en-US" dirty="0" smtClean="0"/>
             </a:br>
@@ -42087,15 +42137,7 @@
             </a:r>
             <a:r>
               <a:rPr lang="en-US" dirty="0" smtClean="0"/>
-              <a:t> </a:t>
-            </a:r>
-            <a:r>
-              <a:rPr lang="en-US" dirty="0" smtClean="0"/>
-              <a:t>of a web application is </a:t>
-            </a:r>
-            <a:r>
-              <a:rPr lang="en-US" dirty="0" smtClean="0"/>
-              <a:t>the engine that runs the website</a:t>
+              <a:t> of a web application is the engine that runs the website</a:t>
             </a:r>
           </a:p>
           <a:p>
@@ -42103,7 +42145,6 @@
               <a:rPr lang="en-US" dirty="0" smtClean="0"/>
               <a:t>It processes requests from the front-end, and holds data for the app</a:t>
             </a:r>
-            <a:endParaRPr lang="en-US" dirty="0" smtClean="0"/>
           </a:p>
         </p:txBody>
       </p:sp>
@@ -42192,19 +42233,6 @@
               </a:rPr>
               <a:t>Database</a:t>
             </a:r>
-            <a:endParaRPr lang="en-US" sz="2400" dirty="0" smtClean="0">
-              <a:gradFill>
-                <a:gsLst>
-                  <a:gs pos="2917">
-                    <a:schemeClr val="tx1"/>
-                  </a:gs>
-                  <a:gs pos="30000">
-                    <a:schemeClr val="tx1"/>
-                  </a:gs>
-                </a:gsLst>
-                <a:lin ang="5400000" scaled="0"/>
-              </a:gradFill>
-            </a:endParaRPr>
           </a:p>
         </p:txBody>
       </p:sp>
@@ -42334,19 +42362,6 @@
               </a:rPr>
               <a:t>Server</a:t>
             </a:r>
-            <a:endParaRPr lang="en-US" sz="2400" dirty="0" smtClean="0">
-              <a:gradFill>
-                <a:gsLst>
-                  <a:gs pos="2917">
-                    <a:schemeClr val="tx1"/>
-                  </a:gs>
-                  <a:gs pos="30000">
-                    <a:schemeClr val="tx1"/>
-                  </a:gs>
-                </a:gsLst>
-                <a:lin ang="5400000" scaled="0"/>
-              </a:gradFill>
-            </a:endParaRPr>
           </a:p>
         </p:txBody>
       </p:sp>

--- a/FullStackOverview/FullStackOverview.pptx
+++ b/FullStackOverview/FullStackOverview.pptx
@@ -221,7 +221,7 @@
           <a:p>
             <a:fld id="{19104133-B5B0-4351-8158-4F0E5EB1E2BF}" type="datetimeFigureOut">
               <a:rPr lang="en-US" smtClean="0"/>
-              <a:t>1/10/2020</a:t>
+              <a:t>5/4/2020</a:t>
             </a:fld>
             <a:endParaRPr lang="en-US"/>
           </a:p>
@@ -935,11 +935,7 @@
             </a:r>
             <a:r>
               <a:rPr lang="en-US" b="0" baseline="0" smtClean="0"/>
-              <a:t>clients</a:t>
-            </a:r>
-            <a:r>
-              <a:rPr lang="en-US" b="0" baseline="0" smtClean="0"/>
-              <a:t>.</a:t>
+              <a:t>clients.</a:t>
             </a:r>
             <a:endParaRPr lang="en-US" b="0" baseline="0" dirty="0" smtClean="0"/>
           </a:p>
@@ -1611,7 +1607,7 @@
             <a:fld id="{1C2D31DE-C454-491C-B5C3-F097855E3DF7}" type="datetime4">
               <a:rPr lang="en-US" smtClean="0"/>
               <a:pPr/>
-              <a:t>January 10, 2020</a:t>
+              <a:t>May 4, 2020</a:t>
             </a:fld>
             <a:endParaRPr lang="en-US" dirty="0"/>
           </a:p>
@@ -5011,7 +5007,7 @@
           <a:p>
             <a:fld id="{5958763E-B898-436D-883D-03711491D54A}" type="datetimeFigureOut">
               <a:rPr lang="en-US" smtClean="0"/>
-              <a:t>1/10/2020</a:t>
+              <a:t>5/4/2020</a:t>
             </a:fld>
             <a:endParaRPr lang="en-US"/>
           </a:p>
@@ -5212,7 +5208,7 @@
           <a:p>
             <a:fld id="{5958763E-B898-436D-883D-03711491D54A}" type="datetimeFigureOut">
               <a:rPr lang="en-US" smtClean="0"/>
-              <a:t>1/10/2020</a:t>
+              <a:t>5/4/2020</a:t>
             </a:fld>
             <a:endParaRPr lang="en-US"/>
           </a:p>
@@ -5469,7 +5465,7 @@
           <a:p>
             <a:fld id="{5958763E-B898-436D-883D-03711491D54A}" type="datetimeFigureOut">
               <a:rPr lang="en-US" smtClean="0"/>
-              <a:t>1/10/2020</a:t>
+              <a:t>5/4/2020</a:t>
             </a:fld>
             <a:endParaRPr lang="en-US"/>
           </a:p>
@@ -5824,7 +5820,7 @@
           <a:p>
             <a:fld id="{5958763E-B898-436D-883D-03711491D54A}" type="datetimeFigureOut">
               <a:rPr lang="en-US" smtClean="0"/>
-              <a:t>1/10/2020</a:t>
+              <a:t>5/4/2020</a:t>
             </a:fld>
             <a:endParaRPr lang="en-US"/>
           </a:p>
@@ -6247,7 +6243,7 @@
           <a:p>
             <a:fld id="{5958763E-B898-436D-883D-03711491D54A}" type="datetimeFigureOut">
               <a:rPr lang="en-US" smtClean="0"/>
-              <a:t>1/10/2020</a:t>
+              <a:t>5/4/2020</a:t>
             </a:fld>
             <a:endParaRPr lang="en-US"/>
           </a:p>
@@ -6755,7 +6751,7 @@
           <a:p>
             <a:fld id="{5958763E-B898-436D-883D-03711491D54A}" type="datetimeFigureOut">
               <a:rPr lang="en-US" smtClean="0"/>
-              <a:t>1/10/2020</a:t>
+              <a:t>5/4/2020</a:t>
             </a:fld>
             <a:endParaRPr lang="en-US"/>
           </a:p>
@@ -7213,7 +7209,7 @@
           <a:p>
             <a:fld id="{5958763E-B898-436D-883D-03711491D54A}" type="datetimeFigureOut">
               <a:rPr lang="en-US" smtClean="0"/>
-              <a:t>1/10/2020</a:t>
+              <a:t>5/4/2020</a:t>
             </a:fld>
             <a:endParaRPr lang="en-US"/>
           </a:p>
@@ -7831,7 +7827,7 @@
           <a:p>
             <a:fld id="{5958763E-B898-436D-883D-03711491D54A}" type="datetimeFigureOut">
               <a:rPr lang="en-US" smtClean="0"/>
-              <a:t>1/10/2020</a:t>
+              <a:t>5/4/2020</a:t>
             </a:fld>
             <a:endParaRPr lang="en-US"/>
           </a:p>
@@ -8609,7 +8605,7 @@
           <a:p>
             <a:fld id="{5958763E-B898-436D-883D-03711491D54A}" type="datetimeFigureOut">
               <a:rPr lang="en-US" smtClean="0"/>
-              <a:t>1/10/2020</a:t>
+              <a:t>5/4/2020</a:t>
             </a:fld>
             <a:endParaRPr lang="en-US"/>
           </a:p>
@@ -8720,7 +8716,7 @@
           <a:p>
             <a:fld id="{5958763E-B898-436D-883D-03711491D54A}" type="datetimeFigureOut">
               <a:rPr lang="en-US" smtClean="0"/>
-              <a:t>1/10/2020</a:t>
+              <a:t>5/4/2020</a:t>
             </a:fld>
             <a:endParaRPr lang="en-US"/>
           </a:p>
@@ -9062,7 +9058,7 @@
             <a:fld id="{1C2D31DE-C454-491C-B5C3-F097855E3DF7}" type="datetime4">
               <a:rPr lang="en-US" smtClean="0"/>
               <a:pPr/>
-              <a:t>January 10, 2020</a:t>
+              <a:t>May 4, 2020</a:t>
             </a:fld>
             <a:endParaRPr lang="en-US" dirty="0"/>
           </a:p>
@@ -12222,7 +12218,7 @@
           <a:p>
             <a:fld id="{5958763E-B898-436D-883D-03711491D54A}" type="datetimeFigureOut">
               <a:rPr lang="en-US" smtClean="0"/>
-              <a:t>1/10/2020</a:t>
+              <a:t>5/4/2020</a:t>
             </a:fld>
             <a:endParaRPr lang="en-US"/>
           </a:p>
@@ -12353,7 +12349,7 @@
           <a:p>
             <a:fld id="{5958763E-B898-436D-883D-03711491D54A}" type="datetimeFigureOut">
               <a:rPr lang="en-US" smtClean="0"/>
-              <a:t>1/10/2020</a:t>
+              <a:t>5/4/2020</a:t>
             </a:fld>
             <a:endParaRPr lang="en-US"/>
           </a:p>
@@ -12484,7 +12480,7 @@
           <a:p>
             <a:fld id="{5958763E-B898-436D-883D-03711491D54A}" type="datetimeFigureOut">
               <a:rPr lang="en-US" smtClean="0"/>
-              <a:t>1/10/2020</a:t>
+              <a:t>5/4/2020</a:t>
             </a:fld>
             <a:endParaRPr lang="en-US"/>
           </a:p>
@@ -12615,7 +12611,7 @@
           <a:p>
             <a:fld id="{5958763E-B898-436D-883D-03711491D54A}" type="datetimeFigureOut">
               <a:rPr lang="en-US" smtClean="0"/>
-              <a:t>1/10/2020</a:t>
+              <a:t>5/4/2020</a:t>
             </a:fld>
             <a:endParaRPr lang="en-US"/>
           </a:p>
@@ -12746,7 +12742,7 @@
           <a:p>
             <a:fld id="{5958763E-B898-436D-883D-03711491D54A}" type="datetimeFigureOut">
               <a:rPr lang="en-US" smtClean="0"/>
-              <a:t>1/10/2020</a:t>
+              <a:t>5/4/2020</a:t>
             </a:fld>
             <a:endParaRPr lang="en-US"/>
           </a:p>
@@ -12877,7 +12873,7 @@
           <a:p>
             <a:fld id="{5958763E-B898-436D-883D-03711491D54A}" type="datetimeFigureOut">
               <a:rPr lang="en-US" smtClean="0"/>
-              <a:t>1/10/2020</a:t>
+              <a:t>5/4/2020</a:t>
             </a:fld>
             <a:endParaRPr lang="en-US"/>
           </a:p>
@@ -13008,7 +13004,7 @@
           <a:p>
             <a:fld id="{5958763E-B898-436D-883D-03711491D54A}" type="datetimeFigureOut">
               <a:rPr lang="en-US" smtClean="0"/>
-              <a:t>1/10/2020</a:t>
+              <a:t>5/4/2020</a:t>
             </a:fld>
             <a:endParaRPr lang="en-US"/>
           </a:p>
@@ -13139,7 +13135,7 @@
           <a:p>
             <a:fld id="{5958763E-B898-436D-883D-03711491D54A}" type="datetimeFigureOut">
               <a:rPr lang="en-US" smtClean="0"/>
-              <a:t>1/10/2020</a:t>
+              <a:t>5/4/2020</a:t>
             </a:fld>
             <a:endParaRPr lang="en-US"/>
           </a:p>
@@ -13279,7 +13275,7 @@
           <a:p>
             <a:fld id="{5958763E-B898-436D-883D-03711491D54A}" type="datetimeFigureOut">
               <a:rPr lang="en-US" smtClean="0"/>
-              <a:t>1/10/2020</a:t>
+              <a:t>5/4/2020</a:t>
             </a:fld>
             <a:endParaRPr lang="en-US"/>
           </a:p>
@@ -16640,7 +16636,7 @@
             <a:fld id="{1C2D31DE-C454-491C-B5C3-F097855E3DF7}" type="datetime4">
               <a:rPr lang="en-US" smtClean="0"/>
               <a:pPr/>
-              <a:t>January 10, 2020</a:t>
+              <a:t>May 4, 2020</a:t>
             </a:fld>
             <a:endParaRPr lang="en-US" dirty="0"/>
           </a:p>
@@ -28885,7 +28881,7 @@
           <a:p>
             <a:fld id="{5958763E-B898-436D-883D-03711491D54A}" type="datetimeFigureOut">
               <a:rPr lang="en-US" smtClean="0"/>
-              <a:t>1/10/2020</a:t>
+              <a:t>5/4/2020</a:t>
             </a:fld>
             <a:endParaRPr lang="en-US"/>
           </a:p>
@@ -29294,7 +29290,7 @@
           <a:p>
             <a:fld id="{5958763E-B898-436D-883D-03711491D54A}" type="datetimeFigureOut">
               <a:rPr lang="en-US" smtClean="0"/>
-              <a:t>1/10/2020</a:t>
+              <a:t>5/4/2020</a:t>
             </a:fld>
             <a:endParaRPr lang="en-US"/>
           </a:p>
@@ -29595,7 +29591,7 @@
           <a:p>
             <a:fld id="{5958763E-B898-436D-883D-03711491D54A}" type="datetimeFigureOut">
               <a:rPr lang="en-US" smtClean="0"/>
-              <a:t>1/10/2020</a:t>
+              <a:t>5/4/2020</a:t>
             </a:fld>
             <a:endParaRPr lang="en-US"/>
           </a:p>
@@ -29803,7 +29799,7 @@
           <a:p>
             <a:fld id="{5958763E-B898-436D-883D-03711491D54A}" type="datetimeFigureOut">
               <a:rPr lang="en-US" smtClean="0"/>
-              <a:t>1/10/2020</a:t>
+              <a:t>5/4/2020</a:t>
             </a:fld>
             <a:endParaRPr lang="en-US"/>
           </a:p>
@@ -30071,7 +30067,7 @@
           <a:p>
             <a:fld id="{5958763E-B898-436D-883D-03711491D54A}" type="datetimeFigureOut">
               <a:rPr lang="en-US" smtClean="0"/>
-              <a:t>1/10/2020</a:t>
+              <a:t>5/4/2020</a:t>
             </a:fld>
             <a:endParaRPr lang="en-US"/>
           </a:p>
@@ -30588,7 +30584,7 @@
           <a:p>
             <a:fld id="{5958763E-B898-436D-883D-03711491D54A}" type="datetimeFigureOut">
               <a:rPr lang="en-US" smtClean="0"/>
-              <a:t>1/10/2020</a:t>
+              <a:t>5/4/2020</a:t>
             </a:fld>
             <a:endParaRPr lang="en-US"/>
           </a:p>
@@ -31076,7 +31072,7 @@
           <a:p>
             <a:fld id="{5958763E-B898-436D-883D-03711491D54A}" type="datetimeFigureOut">
               <a:rPr lang="en-US" smtClean="0"/>
-              <a:t>1/10/2020</a:t>
+              <a:t>5/4/2020</a:t>
             </a:fld>
             <a:endParaRPr lang="en-US"/>
           </a:p>
@@ -31902,7 +31898,7 @@
           <a:p>
             <a:fld id="{5958763E-B898-436D-883D-03711491D54A}" type="datetimeFigureOut">
               <a:rPr lang="en-US" smtClean="0"/>
-              <a:t>1/10/2020</a:t>
+              <a:t>5/4/2020</a:t>
             </a:fld>
             <a:endParaRPr lang="en-US"/>
           </a:p>
@@ -32110,7 +32106,7 @@
           <a:p>
             <a:fld id="{5958763E-B898-436D-883D-03711491D54A}" type="datetimeFigureOut">
               <a:rPr lang="en-US" smtClean="0"/>
-              <a:t>1/10/2020</a:t>
+              <a:t>5/4/2020</a:t>
             </a:fld>
             <a:endParaRPr lang="en-US"/>
           </a:p>
@@ -32452,7 +32448,7 @@
           <a:p>
             <a:fld id="{5958763E-B898-436D-883D-03711491D54A}" type="datetimeFigureOut">
               <a:rPr lang="en-US" smtClean="0"/>
-              <a:t>1/10/2020</a:t>
+              <a:t>5/4/2020</a:t>
             </a:fld>
             <a:endParaRPr lang="en-US"/>
           </a:p>
@@ -32689,7 +32685,7 @@
           <a:p>
             <a:fld id="{5958763E-B898-436D-883D-03711491D54A}" type="datetimeFigureOut">
               <a:rPr lang="en-US" smtClean="0"/>
-              <a:t>1/10/2020</a:t>
+              <a:t>5/4/2020</a:t>
             </a:fld>
             <a:endParaRPr lang="en-US"/>
           </a:p>
@@ -32940,7 +32936,7 @@
           <a:p>
             <a:fld id="{5958763E-B898-436D-883D-03711491D54A}" type="datetimeFigureOut">
               <a:rPr lang="en-US" smtClean="0"/>
-              <a:t>1/10/2020</a:t>
+              <a:t>5/4/2020</a:t>
             </a:fld>
             <a:endParaRPr lang="en-US"/>
           </a:p>
@@ -36998,48 +36994,15 @@
           </a:bodyPr>
           <a:lstStyle/>
           <a:p>
-            <a:r>
-              <a:rPr lang="en-US" sz="3200" dirty="0" smtClean="0"/>
-              <a:t>The server handles communication from the front-end via HTTP – </a:t>
-            </a:r>
-            <a:r>
-              <a:rPr lang="en-US" sz="3200" b="1" dirty="0" err="1" smtClean="0"/>
-              <a:t>H</a:t>
-            </a:r>
-            <a:r>
-              <a:rPr lang="en-US" sz="3200" dirty="0" err="1" smtClean="0"/>
-              <a:t>yper</a:t>
-            </a:r>
-            <a:r>
-              <a:rPr lang="en-US" sz="3200" b="1" dirty="0" err="1"/>
-              <a:t>T</a:t>
-            </a:r>
-            <a:r>
-              <a:rPr lang="en-US" sz="3200" dirty="0" err="1" smtClean="0"/>
-              <a:t>ext</a:t>
-            </a:r>
-            <a:r>
-              <a:rPr lang="en-US" sz="3200" dirty="0" smtClean="0"/>
-              <a:t> </a:t>
-            </a:r>
-            <a:r>
-              <a:rPr lang="en-US" sz="3200" b="1" dirty="0" smtClean="0"/>
-              <a:t>T</a:t>
-            </a:r>
-            <a:r>
-              <a:rPr lang="en-US" sz="3200" dirty="0" smtClean="0"/>
-              <a:t>ransfer </a:t>
-            </a:r>
-            <a:r>
-              <a:rPr lang="en-US" sz="3200" b="1" dirty="0" smtClean="0"/>
-              <a:t>P</a:t>
-            </a:r>
-            <a:r>
-              <a:rPr lang="en-US" sz="3200" dirty="0" smtClean="0"/>
-              <a:t>rotocol</a:t>
-            </a:r>
-          </a:p>
-          <a:p>
+            <a:pPr marL="57150" indent="0">
+              <a:buNone/>
+            </a:pPr>
+            <a:endParaRPr lang="en-US" sz="3200" smtClean="0"/>
+          </a:p>
+          <a:p>
+            <a:pPr marL="57150" indent="0">
+              <a:buNone/>
+            </a:pPr>
             <a:endParaRPr lang="en-US" sz="3200" dirty="0" smtClean="0"/>
           </a:p>
           <a:p>

--- a/FullStackOverview/FullStackOverview.pptx
+++ b/FullStackOverview/FullStackOverview.pptx
@@ -221,7 +221,7 @@
           <a:p>
             <a:fld id="{19104133-B5B0-4351-8158-4F0E5EB1E2BF}" type="datetimeFigureOut">
               <a:rPr lang="en-US" smtClean="0"/>
-              <a:t>5/4/2020</a:t>
+              <a:t>1/19/2021</a:t>
             </a:fld>
             <a:endParaRPr lang="en-US"/>
           </a:p>
@@ -285,38 +285,37 @@
           <a:p>
             <a:pPr lvl="0"/>
             <a:r>
-              <a:rPr lang="en-US" smtClean="0"/>
+              <a:rPr lang="en-US"/>
               <a:t>Edit Master text styles</a:t>
             </a:r>
           </a:p>
           <a:p>
             <a:pPr lvl="1"/>
             <a:r>
-              <a:rPr lang="en-US" smtClean="0"/>
+              <a:rPr lang="en-US"/>
               <a:t>Second level</a:t>
             </a:r>
           </a:p>
           <a:p>
             <a:pPr lvl="2"/>
             <a:r>
-              <a:rPr lang="en-US" smtClean="0"/>
+              <a:rPr lang="en-US"/>
               <a:t>Third level</a:t>
             </a:r>
           </a:p>
           <a:p>
             <a:pPr lvl="3"/>
             <a:r>
-              <a:rPr lang="en-US" smtClean="0"/>
+              <a:rPr lang="en-US"/>
               <a:t>Fourth level</a:t>
             </a:r>
           </a:p>
           <a:p>
             <a:pPr lvl="4"/>
             <a:r>
-              <a:rPr lang="en-US" smtClean="0"/>
+              <a:rPr lang="en-US"/>
               <a:t>Fifth level</a:t>
             </a:r>
-            <a:endParaRPr lang="en-US"/>
           </a:p>
         </p:txBody>
       </p:sp>
@@ -534,31 +533,31 @@
           <a:lstStyle/>
           <a:p>
             <a:r>
-              <a:rPr lang="en-US" b="1" dirty="0" smtClean="0"/>
+              <a:rPr lang="en-US" b="1" dirty="0"/>
               <a:t>HTML</a:t>
             </a:r>
             <a:r>
-              <a:rPr lang="en-US" b="0" baseline="0" dirty="0" smtClean="0"/>
+              <a:rPr lang="en-US" b="0" baseline="0" dirty="0"/>
               <a:t> is used to create the structure and content of a webpage. Each element on the page is represented in HTML.</a:t>
             </a:r>
           </a:p>
           <a:p>
             <a:r>
-              <a:rPr lang="en-US" b="1" baseline="0" dirty="0" smtClean="0"/>
+              <a:rPr lang="en-US" b="1" baseline="0" dirty="0"/>
               <a:t>CSS</a:t>
             </a:r>
             <a:r>
-              <a:rPr lang="en-US" b="0" baseline="0" dirty="0" smtClean="0"/>
+              <a:rPr lang="en-US" b="0" baseline="0" dirty="0"/>
               <a:t> is used to style a webpage.</a:t>
             </a:r>
           </a:p>
           <a:p>
             <a:r>
-              <a:rPr lang="en-US" b="1" baseline="0" dirty="0" smtClean="0"/>
+              <a:rPr lang="en-US" b="1" baseline="0" dirty="0"/>
               <a:t>JavaScript</a:t>
             </a:r>
             <a:r>
-              <a:rPr lang="en-US" b="0" baseline="0" dirty="0" smtClean="0"/>
+              <a:rPr lang="en-US" b="0" baseline="0" dirty="0"/>
               <a:t> is used to add interactivity to a webpage. It is also used to communicate between the front-end and the back-end of a web application.</a:t>
             </a:r>
             <a:endParaRPr lang="en-US" b="1" dirty="0"/>
@@ -646,52 +645,52 @@
           <a:lstStyle/>
           <a:p>
             <a:r>
-              <a:rPr lang="en-US" dirty="0" smtClean="0"/>
+              <a:rPr lang="en-US" dirty="0"/>
               <a:t>Think about going to someone’s Twitter profile. This webpage is not created manually for every single twitter user; instead, the front-end has to look for the data belonging to a given user, and use that</a:t>
             </a:r>
             <a:r>
-              <a:rPr lang="en-US" baseline="0" dirty="0" smtClean="0"/>
+              <a:rPr lang="en-US" baseline="0" dirty="0"/>
               <a:t> data to populate the page.</a:t>
             </a:r>
           </a:p>
           <a:p>
-            <a:endParaRPr lang="en-US" baseline="0" dirty="0" smtClean="0"/>
+            <a:endParaRPr lang="en-US" baseline="0" dirty="0"/>
           </a:p>
           <a:p>
             <a:r>
-              <a:rPr lang="en-US" baseline="0" dirty="0" smtClean="0"/>
+              <a:rPr lang="en-US" baseline="0" dirty="0"/>
               <a:t>On Arthur’s Twitter profile, it lists his </a:t>
             </a:r>
             <a:r>
-              <a:rPr lang="en-US" b="1" baseline="0" dirty="0" smtClean="0"/>
+              <a:rPr lang="en-US" b="1" baseline="0" dirty="0"/>
               <a:t>name</a:t>
             </a:r>
             <a:r>
-              <a:rPr lang="en-US" baseline="0" dirty="0" smtClean="0"/>
+              <a:rPr lang="en-US" baseline="0" dirty="0"/>
               <a:t>, and it has a blue checkmark because he </a:t>
             </a:r>
             <a:r>
-              <a:rPr lang="en-US" b="1" baseline="0" dirty="0" smtClean="0"/>
+              <a:rPr lang="en-US" b="1" baseline="0" dirty="0"/>
               <a:t>is verified</a:t>
             </a:r>
             <a:r>
-              <a:rPr lang="en-US" baseline="0" dirty="0" smtClean="0"/>
+              <a:rPr lang="en-US" baseline="0" dirty="0"/>
               <a:t>. It displays his </a:t>
             </a:r>
             <a:r>
-              <a:rPr lang="en-US" b="1" baseline="0" dirty="0" smtClean="0"/>
+              <a:rPr lang="en-US" b="1" baseline="0" dirty="0"/>
               <a:t>bio</a:t>
             </a:r>
             <a:r>
-              <a:rPr lang="en-US" baseline="0" dirty="0" smtClean="0"/>
+              <a:rPr lang="en-US" baseline="0" dirty="0"/>
               <a:t>, and a lot of other information about him (</a:t>
             </a:r>
             <a:r>
-              <a:rPr lang="en-US" b="1" baseline="0" dirty="0" smtClean="0"/>
+              <a:rPr lang="en-US" b="1" baseline="0" dirty="0"/>
               <a:t>location, website, join date</a:t>
             </a:r>
             <a:r>
-              <a:rPr lang="en-US" baseline="0" dirty="0" smtClean="0"/>
+              <a:rPr lang="en-US" baseline="0" dirty="0"/>
               <a:t>). This information will be different for every user, but the front-end functionality will be the same!</a:t>
             </a:r>
             <a:endParaRPr lang="en-US" dirty="0"/>
@@ -779,52 +778,52 @@
           <a:lstStyle/>
           <a:p>
             <a:r>
-              <a:rPr lang="en-US" dirty="0" smtClean="0"/>
+              <a:rPr lang="en-US" dirty="0"/>
               <a:t>On the other side, think about updating a Twitter profile. When Arthur wants to update his profile, or send a tweet, he does</a:t>
             </a:r>
             <a:r>
-              <a:rPr lang="en-US" baseline="0" dirty="0" smtClean="0"/>
+              <a:rPr lang="en-US" baseline="0" dirty="0"/>
               <a:t> not have to update the HTML on his page… all he has to do is click “Edit Profile” and he can make changes!</a:t>
             </a:r>
           </a:p>
           <a:p>
-            <a:endParaRPr lang="en-US" baseline="0" dirty="0" smtClean="0"/>
+            <a:endParaRPr lang="en-US" baseline="0" dirty="0"/>
           </a:p>
           <a:p>
             <a:r>
-              <a:rPr lang="en-US" baseline="0" dirty="0" smtClean="0"/>
+              <a:rPr lang="en-US" baseline="0" dirty="0"/>
               <a:t>When he fills out this form with his </a:t>
             </a:r>
             <a:r>
-              <a:rPr lang="en-US" b="1" baseline="0" dirty="0" smtClean="0"/>
+              <a:rPr lang="en-US" b="1" baseline="0" dirty="0"/>
               <a:t>Name</a:t>
             </a:r>
             <a:r>
-              <a:rPr lang="en-US" b="0" baseline="0" dirty="0" smtClean="0"/>
+              <a:rPr lang="en-US" b="0" baseline="0" dirty="0"/>
               <a:t>, </a:t>
             </a:r>
             <a:r>
-              <a:rPr lang="en-US" b="1" baseline="0" dirty="0" smtClean="0"/>
+              <a:rPr lang="en-US" b="1" baseline="0" dirty="0"/>
               <a:t>Bio</a:t>
             </a:r>
             <a:r>
-              <a:rPr lang="en-US" b="0" baseline="0" dirty="0" smtClean="0"/>
+              <a:rPr lang="en-US" b="0" baseline="0" dirty="0"/>
               <a:t>, and </a:t>
             </a:r>
             <a:r>
-              <a:rPr lang="en-US" b="1" baseline="0" dirty="0" smtClean="0"/>
+              <a:rPr lang="en-US" b="1" baseline="0" dirty="0"/>
               <a:t>Location</a:t>
             </a:r>
             <a:r>
-              <a:rPr lang="en-US" baseline="0" dirty="0" smtClean="0"/>
+              <a:rPr lang="en-US" baseline="0" dirty="0"/>
               <a:t>, the front-end will send the data after he clicks the </a:t>
             </a:r>
             <a:r>
-              <a:rPr lang="en-US" b="1" baseline="0" dirty="0" smtClean="0"/>
+              <a:rPr lang="en-US" b="1" baseline="0" dirty="0"/>
               <a:t>Save</a:t>
             </a:r>
             <a:r>
-              <a:rPr lang="en-US" b="0" baseline="0" dirty="0" smtClean="0"/>
+              <a:rPr lang="en-US" b="0" baseline="0" dirty="0"/>
               <a:t> button. Then, the data will update on the server, and his profile page will update too!</a:t>
             </a:r>
             <a:endParaRPr lang="en-US" dirty="0"/>
@@ -912,49 +911,44 @@
           <a:lstStyle/>
           <a:p>
             <a:r>
-              <a:rPr lang="en-US" b="0" dirty="0" smtClean="0"/>
+              <a:rPr lang="en-US" b="0" dirty="0"/>
               <a:t>The</a:t>
             </a:r>
             <a:r>
-              <a:rPr lang="en-US" b="0" baseline="0" dirty="0" smtClean="0"/>
+              <a:rPr lang="en-US" b="0" baseline="0" dirty="0"/>
               <a:t> backend consists of the Server and the Database.</a:t>
             </a:r>
           </a:p>
           <a:p>
             <a:r>
-              <a:rPr lang="en-US" b="0" baseline="0" dirty="0" smtClean="0"/>
+              <a:rPr lang="en-US" b="0" baseline="0" dirty="0"/>
               <a:t>The </a:t>
             </a:r>
             <a:r>
-              <a:rPr lang="en-US" b="1" baseline="0" dirty="0" smtClean="0"/>
+              <a:rPr lang="en-US" b="1" baseline="0" dirty="0"/>
               <a:t>server</a:t>
             </a:r>
             <a:r>
-              <a:rPr lang="en-US" b="0" baseline="0" dirty="0" smtClean="0"/>
-              <a:t> stores, processes, and delivers webpages to </a:t>
+              <a:rPr lang="en-US" b="0" baseline="0" dirty="0"/>
+              <a:t> stores, processes, and delivers webpages to clients.</a:t>
             </a:r>
+          </a:p>
+          <a:p>
             <a:r>
-              <a:rPr lang="en-US" b="0" baseline="0" smtClean="0"/>
-              <a:t>clients.</a:t>
-            </a:r>
-            <a:endParaRPr lang="en-US" b="0" baseline="0" dirty="0" smtClean="0"/>
-          </a:p>
-          <a:p>
-            <a:r>
-              <a:rPr lang="en-US" b="0" baseline="0" dirty="0" smtClean="0"/>
+              <a:rPr lang="en-US" b="0" baseline="0" dirty="0"/>
               <a:t>The </a:t>
             </a:r>
             <a:r>
-              <a:rPr lang="en-US" b="1" baseline="0" dirty="0" smtClean="0"/>
+              <a:rPr lang="en-US" b="1" baseline="0" dirty="0"/>
               <a:t>database</a:t>
             </a:r>
             <a:r>
-              <a:rPr lang="en-US" b="0" baseline="0" dirty="0" smtClean="0"/>
-              <a:t> stores data for the web application. The server communicates with the database to figure out which data to use for a certain page, or to update the data.</a:t>
+              <a:rPr lang="en-US" b="0" baseline="0" dirty="0"/>
+              <a:t> stores data for the web application. The server communicates with the database to figure out which data to use for a certain page, or to update the data. There are several different databases!</a:t>
             </a:r>
           </a:p>
           <a:p>
-            <a:endParaRPr lang="en-US" b="0" baseline="0" dirty="0" smtClean="0"/>
+            <a:endParaRPr lang="en-US" b="0" baseline="0" dirty="0"/>
           </a:p>
           <a:p>
             <a:endParaRPr lang="en-US" b="1" dirty="0"/>
@@ -1557,15 +1551,7 @@
           <a:p>
             <a:r>
               <a:rPr lang="en-US" dirty="0"/>
-              <a:t>Click to edit Master </a:t>
-            </a:r>
-            <a:r>
-              <a:rPr lang="en-US" dirty="0" smtClean="0"/>
-              <a:t>subtitle </a:t>
-            </a:r>
-            <a:r>
-              <a:rPr lang="en-US" dirty="0"/>
-              <a:t>style</a:t>
+              <a:t>Click to edit Master subtitle style</a:t>
             </a:r>
           </a:p>
         </p:txBody>
@@ -1607,7 +1593,7 @@
             <a:fld id="{1C2D31DE-C454-491C-B5C3-F097855E3DF7}" type="datetime4">
               <a:rPr lang="en-US" smtClean="0"/>
               <a:pPr/>
-              <a:t>May 4, 2020</a:t>
+              <a:t>January 19, 2021</a:t>
             </a:fld>
             <a:endParaRPr lang="en-US" dirty="0"/>
           </a:p>
@@ -4681,17 +4667,16 @@
           <a:p>
             <a:pPr lvl="0"/>
             <a:r>
-              <a:rPr lang="en-US" dirty="0" smtClean="0"/>
+              <a:rPr lang="en-US" dirty="0"/>
               <a:t>Presenter Name</a:t>
             </a:r>
             <a:br>
-              <a:rPr lang="en-US" dirty="0" smtClean="0"/>
+              <a:rPr lang="en-US" dirty="0"/>
             </a:br>
             <a:r>
-              <a:rPr lang="en-US" dirty="0" smtClean="0"/>
+              <a:rPr lang="en-US" dirty="0"/>
               <a:t>Presenter Title</a:t>
             </a:r>
-            <a:endParaRPr lang="en-US" dirty="0"/>
           </a:p>
         </p:txBody>
       </p:sp>
@@ -4708,13 +4693,6 @@
   <p:transition>
     <p:fade/>
   </p:transition>
-  <p:timing>
-    <p:tnLst>
-      <p:par>
-        <p:cTn id="1" dur="indefinite" restart="never" nodeType="tmRoot"/>
-      </p:par>
-    </p:tnLst>
-  </p:timing>
   <p:hf sldNum="0" hdr="0" ftr="0"/>
 </p:sldLayout>
 </file>
@@ -5007,7 +4985,7 @@
           <a:p>
             <a:fld id="{5958763E-B898-436D-883D-03711491D54A}" type="datetimeFigureOut">
               <a:rPr lang="en-US" smtClean="0"/>
-              <a:t>5/4/2020</a:t>
+              <a:t>1/19/2021</a:t>
             </a:fld>
             <a:endParaRPr lang="en-US"/>
           </a:p>
@@ -5080,13 +5058,6 @@
   <p:transition>
     <p:fade/>
   </p:transition>
-  <p:timing>
-    <p:tnLst>
-      <p:par>
-        <p:cTn id="1" dur="indefinite" restart="never" nodeType="tmRoot"/>
-      </p:par>
-    </p:tnLst>
-  </p:timing>
 </p:sldLayout>
 </file>
 
@@ -5135,10 +5106,9 @@
           </a:lstStyle>
           <a:p>
             <a:r>
-              <a:rPr lang="en-US" dirty="0" smtClean="0"/>
+              <a:rPr lang="en-US" dirty="0"/>
               <a:t>Click icon to add picture</a:t>
             </a:r>
-            <a:endParaRPr lang="en-US" dirty="0"/>
           </a:p>
         </p:txBody>
       </p:sp>
@@ -5208,7 +5178,7 @@
           <a:p>
             <a:fld id="{5958763E-B898-436D-883D-03711491D54A}" type="datetimeFigureOut">
               <a:rPr lang="en-US" smtClean="0"/>
-              <a:t>5/4/2020</a:t>
+              <a:t>1/19/2021</a:t>
             </a:fld>
             <a:endParaRPr lang="en-US"/>
           </a:p>
@@ -5281,13 +5251,6 @@
   <p:transition>
     <p:fade/>
   </p:transition>
-  <p:timing>
-    <p:tnLst>
-      <p:par>
-        <p:cTn id="1" dur="indefinite" restart="never" nodeType="tmRoot"/>
-      </p:par>
-    </p:tnLst>
-  </p:timing>
 </p:sldLayout>
 </file>
 
@@ -5465,7 +5428,7 @@
           <a:p>
             <a:fld id="{5958763E-B898-436D-883D-03711491D54A}" type="datetimeFigureOut">
               <a:rPr lang="en-US" smtClean="0"/>
-              <a:t>5/4/2020</a:t>
+              <a:t>1/19/2021</a:t>
             </a:fld>
             <a:endParaRPr lang="en-US"/>
           </a:p>
@@ -5538,13 +5501,6 @@
   <p:transition>
     <p:fade/>
   </p:transition>
-  <p:timing>
-    <p:tnLst>
-      <p:par>
-        <p:cTn id="1" dur="indefinite" restart="never" nodeType="tmRoot"/>
-      </p:par>
-    </p:tnLst>
-  </p:timing>
 </p:sldLayout>
 </file>
 
@@ -5820,7 +5776,7 @@
           <a:p>
             <a:fld id="{5958763E-B898-436D-883D-03711491D54A}" type="datetimeFigureOut">
               <a:rPr lang="en-US" smtClean="0"/>
-              <a:t>5/4/2020</a:t>
+              <a:t>1/19/2021</a:t>
             </a:fld>
             <a:endParaRPr lang="en-US"/>
           </a:p>
@@ -5881,13 +5837,6 @@
   <p:transition>
     <p:fade/>
   </p:transition>
-  <p:timing>
-    <p:tnLst>
-      <p:par>
-        <p:cTn id="1" dur="indefinite" restart="never" nodeType="tmRoot"/>
-      </p:par>
-    </p:tnLst>
-  </p:timing>
 </p:sldLayout>
 </file>
 
@@ -6243,7 +6192,7 @@
           <a:p>
             <a:fld id="{5958763E-B898-436D-883D-03711491D54A}" type="datetimeFigureOut">
               <a:rPr lang="en-US" smtClean="0"/>
-              <a:t>5/4/2020</a:t>
+              <a:t>1/19/2021</a:t>
             </a:fld>
             <a:endParaRPr lang="en-US"/>
           </a:p>
@@ -6304,13 +6253,6 @@
   <p:transition>
     <p:fade/>
   </p:transition>
-  <p:timing>
-    <p:tnLst>
-      <p:par>
-        <p:cTn id="1" dur="indefinite" restart="never" nodeType="tmRoot"/>
-      </p:par>
-    </p:tnLst>
-  </p:timing>
 </p:sldLayout>
 </file>
 
@@ -6751,7 +6693,7 @@
           <a:p>
             <a:fld id="{5958763E-B898-436D-883D-03711491D54A}" type="datetimeFigureOut">
               <a:rPr lang="en-US" smtClean="0"/>
-              <a:t>5/4/2020</a:t>
+              <a:t>1/19/2021</a:t>
             </a:fld>
             <a:endParaRPr lang="en-US"/>
           </a:p>
@@ -6812,13 +6754,6 @@
   <p:transition>
     <p:fade/>
   </p:transition>
-  <p:timing>
-    <p:tnLst>
-      <p:par>
-        <p:cTn id="1" dur="indefinite" restart="never" nodeType="tmRoot"/>
-      </p:par>
-    </p:tnLst>
-  </p:timing>
 </p:sldLayout>
 </file>
 
@@ -7209,7 +7144,7 @@
           <a:p>
             <a:fld id="{5958763E-B898-436D-883D-03711491D54A}" type="datetimeFigureOut">
               <a:rPr lang="en-US" smtClean="0"/>
-              <a:t>5/4/2020</a:t>
+              <a:t>1/19/2021</a:t>
             </a:fld>
             <a:endParaRPr lang="en-US"/>
           </a:p>
@@ -7270,13 +7205,6 @@
   <p:transition>
     <p:fade/>
   </p:transition>
-  <p:timing>
-    <p:tnLst>
-      <p:par>
-        <p:cTn id="1" dur="indefinite" restart="never" nodeType="tmRoot"/>
-      </p:par>
-    </p:tnLst>
-  </p:timing>
 </p:sldLayout>
 </file>
 
@@ -7827,7 +7755,7 @@
           <a:p>
             <a:fld id="{5958763E-B898-436D-883D-03711491D54A}" type="datetimeFigureOut">
               <a:rPr lang="en-US" smtClean="0"/>
-              <a:t>5/4/2020</a:t>
+              <a:t>1/19/2021</a:t>
             </a:fld>
             <a:endParaRPr lang="en-US"/>
           </a:p>
@@ -7888,13 +7816,6 @@
   <p:transition>
     <p:fade/>
   </p:transition>
-  <p:timing>
-    <p:tnLst>
-      <p:par>
-        <p:cTn id="1" dur="indefinite" restart="never" nodeType="tmRoot"/>
-      </p:par>
-    </p:tnLst>
-  </p:timing>
 </p:sldLayout>
 </file>
 
@@ -8605,7 +8526,7 @@
           <a:p>
             <a:fld id="{5958763E-B898-436D-883D-03711491D54A}" type="datetimeFigureOut">
               <a:rPr lang="en-US" smtClean="0"/>
-              <a:t>5/4/2020</a:t>
+              <a:t>1/19/2021</a:t>
             </a:fld>
             <a:endParaRPr lang="en-US"/>
           </a:p>
@@ -8666,13 +8587,6 @@
   <p:transition>
     <p:fade/>
   </p:transition>
-  <p:timing>
-    <p:tnLst>
-      <p:par>
-        <p:cTn id="1" dur="indefinite" restart="never" nodeType="tmRoot"/>
-      </p:par>
-    </p:tnLst>
-  </p:timing>
 </p:sldLayout>
 </file>
 
@@ -8716,7 +8630,7 @@
           <a:p>
             <a:fld id="{5958763E-B898-436D-883D-03711491D54A}" type="datetimeFigureOut">
               <a:rPr lang="en-US" smtClean="0"/>
-              <a:t>5/4/2020</a:t>
+              <a:t>1/19/2021</a:t>
             </a:fld>
             <a:endParaRPr lang="en-US"/>
           </a:p>
@@ -8789,13 +8703,6 @@
   <p:transition>
     <p:fade/>
   </p:transition>
-  <p:timing>
-    <p:tnLst>
-      <p:par>
-        <p:cTn id="1" dur="indefinite" restart="never" nodeType="tmRoot"/>
-      </p:par>
-    </p:tnLst>
-  </p:timing>
 </p:sldLayout>
 </file>
 
@@ -8875,7 +8782,7 @@
                 <a:spcPct val="0"/>
               </a:spcAft>
             </a:pPr>
-            <a:endParaRPr lang="en-US" sz="2400" dirty="0" err="1" smtClean="0">
+            <a:endParaRPr lang="en-US" sz="2400" dirty="0" err="1">
               <a:gradFill>
                 <a:gsLst>
                   <a:gs pos="0">
@@ -9008,15 +8915,7 @@
           <a:p>
             <a:r>
               <a:rPr lang="en-US" dirty="0"/>
-              <a:t>Click to edit Master </a:t>
-            </a:r>
-            <a:r>
-              <a:rPr lang="en-US" dirty="0" smtClean="0"/>
-              <a:t>subtitle </a:t>
-            </a:r>
-            <a:r>
-              <a:rPr lang="en-US" dirty="0"/>
-              <a:t>style</a:t>
+              <a:t>Click to edit Master subtitle style</a:t>
             </a:r>
           </a:p>
         </p:txBody>
@@ -9058,7 +8957,7 @@
             <a:fld id="{1C2D31DE-C454-491C-B5C3-F097855E3DF7}" type="datetime4">
               <a:rPr lang="en-US" smtClean="0"/>
               <a:pPr/>
-              <a:t>May 4, 2020</a:t>
+              <a:t>January 19, 2021</a:t>
             </a:fld>
             <a:endParaRPr lang="en-US" dirty="0"/>
           </a:p>
@@ -12132,17 +12031,16 @@
           <a:p>
             <a:pPr lvl="0"/>
             <a:r>
-              <a:rPr lang="en-US" dirty="0" smtClean="0"/>
+              <a:rPr lang="en-US" dirty="0"/>
               <a:t>Presenter Name</a:t>
             </a:r>
             <a:br>
-              <a:rPr lang="en-US" dirty="0" smtClean="0"/>
+              <a:rPr lang="en-US" dirty="0"/>
             </a:br>
             <a:r>
-              <a:rPr lang="en-US" dirty="0" smtClean="0"/>
+              <a:rPr lang="en-US" dirty="0"/>
               <a:t>Presenter Title</a:t>
             </a:r>
-            <a:endParaRPr lang="en-US" dirty="0"/>
           </a:p>
         </p:txBody>
       </p:sp>
@@ -12159,13 +12057,6 @@
   <p:transition>
     <p:fade/>
   </p:transition>
-  <p:timing>
-    <p:tnLst>
-      <p:par>
-        <p:cTn id="1" dur="indefinite" restart="never" nodeType="tmRoot"/>
-      </p:par>
-    </p:tnLst>
-  </p:timing>
   <p:hf sldNum="0" hdr="0" ftr="0"/>
 </p:sldLayout>
 </file>
@@ -12218,7 +12109,7 @@
           <a:p>
             <a:fld id="{5958763E-B898-436D-883D-03711491D54A}" type="datetimeFigureOut">
               <a:rPr lang="en-US" smtClean="0"/>
-              <a:t>5/4/2020</a:t>
+              <a:t>1/19/2021</a:t>
             </a:fld>
             <a:endParaRPr lang="en-US"/>
           </a:p>
@@ -12291,13 +12182,6 @@
   <p:transition>
     <p:fade/>
   </p:transition>
-  <p:timing>
-    <p:tnLst>
-      <p:par>
-        <p:cTn id="1" dur="indefinite" restart="never" nodeType="tmRoot"/>
-      </p:par>
-    </p:tnLst>
-  </p:timing>
 </p:sldLayout>
 </file>
 
@@ -12349,7 +12233,7 @@
           <a:p>
             <a:fld id="{5958763E-B898-436D-883D-03711491D54A}" type="datetimeFigureOut">
               <a:rPr lang="en-US" smtClean="0"/>
-              <a:t>5/4/2020</a:t>
+              <a:t>1/19/2021</a:t>
             </a:fld>
             <a:endParaRPr lang="en-US"/>
           </a:p>
@@ -12422,13 +12306,6 @@
   <p:transition>
     <p:fade/>
   </p:transition>
-  <p:timing>
-    <p:tnLst>
-      <p:par>
-        <p:cTn id="1" dur="indefinite" restart="never" nodeType="tmRoot"/>
-      </p:par>
-    </p:tnLst>
-  </p:timing>
 </p:sldLayout>
 </file>
 
@@ -12480,7 +12357,7 @@
           <a:p>
             <a:fld id="{5958763E-B898-436D-883D-03711491D54A}" type="datetimeFigureOut">
               <a:rPr lang="en-US" smtClean="0"/>
-              <a:t>5/4/2020</a:t>
+              <a:t>1/19/2021</a:t>
             </a:fld>
             <a:endParaRPr lang="en-US"/>
           </a:p>
@@ -12553,13 +12430,6 @@
   <p:transition>
     <p:fade/>
   </p:transition>
-  <p:timing>
-    <p:tnLst>
-      <p:par>
-        <p:cTn id="1" dur="indefinite" restart="never" nodeType="tmRoot"/>
-      </p:par>
-    </p:tnLst>
-  </p:timing>
 </p:sldLayout>
 </file>
 
@@ -12611,7 +12481,7 @@
           <a:p>
             <a:fld id="{5958763E-B898-436D-883D-03711491D54A}" type="datetimeFigureOut">
               <a:rPr lang="en-US" smtClean="0"/>
-              <a:t>5/4/2020</a:t>
+              <a:t>1/19/2021</a:t>
             </a:fld>
             <a:endParaRPr lang="en-US"/>
           </a:p>
@@ -12684,13 +12554,6 @@
   <p:transition>
     <p:fade/>
   </p:transition>
-  <p:timing>
-    <p:tnLst>
-      <p:par>
-        <p:cTn id="1" dur="indefinite" restart="never" nodeType="tmRoot"/>
-      </p:par>
-    </p:tnLst>
-  </p:timing>
 </p:sldLayout>
 </file>
 
@@ -12742,7 +12605,7 @@
           <a:p>
             <a:fld id="{5958763E-B898-436D-883D-03711491D54A}" type="datetimeFigureOut">
               <a:rPr lang="en-US" smtClean="0"/>
-              <a:t>5/4/2020</a:t>
+              <a:t>1/19/2021</a:t>
             </a:fld>
             <a:endParaRPr lang="en-US"/>
           </a:p>
@@ -12815,13 +12678,6 @@
   <p:transition>
     <p:fade/>
   </p:transition>
-  <p:timing>
-    <p:tnLst>
-      <p:par>
-        <p:cTn id="1" dur="indefinite" restart="never" nodeType="tmRoot"/>
-      </p:par>
-    </p:tnLst>
-  </p:timing>
 </p:sldLayout>
 </file>
 
@@ -12873,7 +12729,7 @@
           <a:p>
             <a:fld id="{5958763E-B898-436D-883D-03711491D54A}" type="datetimeFigureOut">
               <a:rPr lang="en-US" smtClean="0"/>
-              <a:t>5/4/2020</a:t>
+              <a:t>1/19/2021</a:t>
             </a:fld>
             <a:endParaRPr lang="en-US"/>
           </a:p>
@@ -12946,13 +12802,6 @@
   <p:transition>
     <p:fade/>
   </p:transition>
-  <p:timing>
-    <p:tnLst>
-      <p:par>
-        <p:cTn id="1" dur="indefinite" restart="never" nodeType="tmRoot"/>
-      </p:par>
-    </p:tnLst>
-  </p:timing>
 </p:sldLayout>
 </file>
 
@@ -13004,7 +12853,7 @@
           <a:p>
             <a:fld id="{5958763E-B898-436D-883D-03711491D54A}" type="datetimeFigureOut">
               <a:rPr lang="en-US" smtClean="0"/>
-              <a:t>5/4/2020</a:t>
+              <a:t>1/19/2021</a:t>
             </a:fld>
             <a:endParaRPr lang="en-US"/>
           </a:p>
@@ -13077,13 +12926,6 @@
   <p:transition>
     <p:fade/>
   </p:transition>
-  <p:timing>
-    <p:tnLst>
-      <p:par>
-        <p:cTn id="1" dur="indefinite" restart="never" nodeType="tmRoot"/>
-      </p:par>
-    </p:tnLst>
-  </p:timing>
 </p:sldLayout>
 </file>
 
@@ -13135,7 +12977,7 @@
           <a:p>
             <a:fld id="{5958763E-B898-436D-883D-03711491D54A}" type="datetimeFigureOut">
               <a:rPr lang="en-US" smtClean="0"/>
-              <a:t>5/4/2020</a:t>
+              <a:t>1/19/2021</a:t>
             </a:fld>
             <a:endParaRPr lang="en-US"/>
           </a:p>
@@ -13208,13 +13050,6 @@
   <p:transition>
     <p:fade/>
   </p:transition>
-  <p:timing>
-    <p:tnLst>
-      <p:par>
-        <p:cTn id="1" dur="indefinite" restart="never" nodeType="tmRoot"/>
-      </p:par>
-    </p:tnLst>
-  </p:timing>
 </p:sldLayout>
 </file>
 
@@ -13275,7 +13110,7 @@
           <a:p>
             <a:fld id="{5958763E-B898-436D-883D-03711491D54A}" type="datetimeFigureOut">
               <a:rPr lang="en-US" smtClean="0"/>
-              <a:t>5/4/2020</a:t>
+              <a:t>1/19/2021</a:t>
             </a:fld>
             <a:endParaRPr lang="en-US"/>
           </a:p>
@@ -13348,13 +13183,6 @@
   <p:transition>
     <p:fade/>
   </p:transition>
-  <p:timing>
-    <p:tnLst>
-      <p:par>
-        <p:cTn id="1" dur="indefinite" restart="never" nodeType="tmRoot"/>
-      </p:par>
-    </p:tnLst>
-  </p:timing>
 </p:sldLayout>
 </file>
 
@@ -16356,13 +16184,6 @@
   <p:transition>
     <p:fade/>
   </p:transition>
-  <p:timing>
-    <p:tnLst>
-      <p:par>
-        <p:cTn id="1" dur="indefinite" restart="never" nodeType="tmRoot"/>
-      </p:par>
-    </p:tnLst>
-  </p:timing>
 </p:sldLayout>
 </file>
 
@@ -16450,7 +16271,7 @@
                 <a:spcPct val="0"/>
               </a:spcAft>
             </a:pPr>
-            <a:endParaRPr lang="en-US" sz="2400" dirty="0" err="1" smtClean="0">
+            <a:endParaRPr lang="en-US" sz="2400" dirty="0" err="1">
               <a:gradFill>
                 <a:gsLst>
                   <a:gs pos="0">
@@ -16586,15 +16407,7 @@
           <a:p>
             <a:r>
               <a:rPr lang="en-US" dirty="0"/>
-              <a:t>Click to edit Master </a:t>
-            </a:r>
-            <a:r>
-              <a:rPr lang="en-US" dirty="0" smtClean="0"/>
-              <a:t>subtitle </a:t>
-            </a:r>
-            <a:r>
-              <a:rPr lang="en-US" dirty="0"/>
-              <a:t>style</a:t>
+              <a:t>Click to edit Master subtitle style</a:t>
             </a:r>
           </a:p>
         </p:txBody>
@@ -16636,7 +16449,7 @@
             <a:fld id="{1C2D31DE-C454-491C-B5C3-F097855E3DF7}" type="datetime4">
               <a:rPr lang="en-US" smtClean="0"/>
               <a:pPr/>
-              <a:t>May 4, 2020</a:t>
+              <a:t>January 19, 2021</a:t>
             </a:fld>
             <a:endParaRPr lang="en-US" dirty="0"/>
           </a:p>
@@ -19718,17 +19531,16 @@
           <a:p>
             <a:pPr lvl="0"/>
             <a:r>
-              <a:rPr lang="en-US" dirty="0" smtClean="0"/>
+              <a:rPr lang="en-US" dirty="0"/>
               <a:t>Presenter Name</a:t>
             </a:r>
             <a:br>
-              <a:rPr lang="en-US" dirty="0" smtClean="0"/>
+              <a:rPr lang="en-US" dirty="0"/>
             </a:br>
             <a:r>
-              <a:rPr lang="en-US" dirty="0" smtClean="0"/>
+              <a:rPr lang="en-US" dirty="0"/>
               <a:t>Presenter Title</a:t>
             </a:r>
-            <a:endParaRPr lang="en-US" dirty="0"/>
           </a:p>
         </p:txBody>
       </p:sp>
@@ -19745,13 +19557,6 @@
   <p:transition>
     <p:fade/>
   </p:transition>
-  <p:timing>
-    <p:tnLst>
-      <p:par>
-        <p:cTn id="1" dur="indefinite" restart="never" nodeType="tmRoot"/>
-      </p:par>
-    </p:tnLst>
-  </p:timing>
   <p:hf sldNum="0" hdr="0" ftr="0"/>
 </p:sldLayout>
 </file>
@@ -27261,10 +27066,9 @@
           <a:p>
             <a:pPr lvl="0"/>
             <a:r>
-              <a:rPr lang="en-US" dirty="0" smtClean="0"/>
+              <a:rPr lang="en-US" dirty="0"/>
               <a:t>&lt;Call to action&gt;</a:t>
             </a:r>
-            <a:endParaRPr lang="en-US" dirty="0"/>
           </a:p>
         </p:txBody>
       </p:sp>
@@ -28881,7 +28685,7 @@
           <a:p>
             <a:fld id="{5958763E-B898-436D-883D-03711491D54A}" type="datetimeFigureOut">
               <a:rPr lang="en-US" smtClean="0"/>
-              <a:t>5/4/2020</a:t>
+              <a:t>1/19/2021</a:t>
             </a:fld>
             <a:endParaRPr lang="en-US"/>
           </a:p>
@@ -29008,7 +28812,7 @@
                 <a:spcPct val="0"/>
               </a:spcAft>
             </a:pPr>
-            <a:endParaRPr lang="en-US" sz="2400" dirty="0" err="1" smtClean="0">
+            <a:endParaRPr lang="en-US" sz="2400" dirty="0" err="1">
               <a:gradFill>
                 <a:gsLst>
                   <a:gs pos="0">
@@ -29039,13 +28843,6 @@
   <p:transition>
     <p:fade/>
   </p:transition>
-  <p:timing>
-    <p:tnLst>
-      <p:par>
-        <p:cTn id="1" dur="indefinite" restart="never" nodeType="tmRoot"/>
-      </p:par>
-    </p:tnLst>
-  </p:timing>
 </p:sldLayout>
 </file>
 
@@ -29290,7 +29087,7 @@
           <a:p>
             <a:fld id="{5958763E-B898-436D-883D-03711491D54A}" type="datetimeFigureOut">
               <a:rPr lang="en-US" smtClean="0"/>
-              <a:t>5/4/2020</a:t>
+              <a:t>1/19/2021</a:t>
             </a:fld>
             <a:endParaRPr lang="en-US"/>
           </a:p>
@@ -29363,13 +29160,6 @@
   <p:transition>
     <p:fade/>
   </p:transition>
-  <p:timing>
-    <p:tnLst>
-      <p:par>
-        <p:cTn id="1" dur="indefinite" restart="never" nodeType="tmRoot"/>
-      </p:par>
-    </p:tnLst>
-  </p:timing>
 </p:sldLayout>
 </file>
 
@@ -29591,7 +29381,7 @@
           <a:p>
             <a:fld id="{5958763E-B898-436D-883D-03711491D54A}" type="datetimeFigureOut">
               <a:rPr lang="en-US" smtClean="0"/>
-              <a:t>5/4/2020</a:t>
+              <a:t>1/19/2021</a:t>
             </a:fld>
             <a:endParaRPr lang="en-US"/>
           </a:p>
@@ -29664,13 +29454,6 @@
   <p:transition>
     <p:fade/>
   </p:transition>
-  <p:timing>
-    <p:tnLst>
-      <p:par>
-        <p:cTn id="1" dur="indefinite" restart="never" nodeType="tmRoot"/>
-      </p:par>
-    </p:tnLst>
-  </p:timing>
 </p:sldLayout>
 </file>
 
@@ -29799,7 +29582,7 @@
           <a:p>
             <a:fld id="{5958763E-B898-436D-883D-03711491D54A}" type="datetimeFigureOut">
               <a:rPr lang="en-US" smtClean="0"/>
-              <a:t>5/4/2020</a:t>
+              <a:t>1/19/2021</a:t>
             </a:fld>
             <a:endParaRPr lang="en-US"/>
           </a:p>
@@ -29922,13 +29705,6 @@
   <p:transition>
     <p:fade/>
   </p:transition>
-  <p:timing>
-    <p:tnLst>
-      <p:par>
-        <p:cTn id="1" dur="indefinite" restart="never" nodeType="tmRoot"/>
-      </p:par>
-    </p:tnLst>
-  </p:timing>
 </p:sldLayout>
 </file>
 
@@ -30067,7 +29843,7 @@
           <a:p>
             <a:fld id="{5958763E-B898-436D-883D-03711491D54A}" type="datetimeFigureOut">
               <a:rPr lang="en-US" smtClean="0"/>
-              <a:t>5/4/2020</a:t>
+              <a:t>1/19/2021</a:t>
             </a:fld>
             <a:endParaRPr lang="en-US"/>
           </a:p>
@@ -30194,13 +29970,6 @@
   <p:transition>
     <p:fade/>
   </p:transition>
-  <p:timing>
-    <p:tnLst>
-      <p:par>
-        <p:cTn id="1" dur="indefinite" restart="never" nodeType="tmRoot"/>
-      </p:par>
-    </p:tnLst>
-  </p:timing>
 </p:sldLayout>
 </file>
 
@@ -30362,7 +30131,7 @@
                 <a:spcPct val="0"/>
               </a:spcAft>
             </a:pPr>
-            <a:endParaRPr lang="en-US" sz="2400" dirty="0" err="1" smtClean="0">
+            <a:endParaRPr lang="en-US" sz="2400" dirty="0" err="1">
               <a:gradFill>
                 <a:gsLst>
                   <a:gs pos="0">
@@ -30413,10 +30182,9 @@
           </a:lstStyle>
           <a:p>
             <a:r>
-              <a:rPr lang="en-US" dirty="0" smtClean="0"/>
+              <a:rPr lang="en-US" dirty="0"/>
               <a:t>Type “Agenda”</a:t>
             </a:r>
-            <a:endParaRPr lang="en-US" dirty="0"/>
           </a:p>
         </p:txBody>
       </p:sp>
@@ -30540,24 +30308,23 @@
           <a:p>
             <a:pPr lvl="0"/>
             <a:r>
-              <a:rPr lang="en-US" dirty="0" smtClean="0"/>
+              <a:rPr lang="en-US" dirty="0"/>
               <a:t>Item 1</a:t>
             </a:r>
           </a:p>
           <a:p>
             <a:pPr lvl="0"/>
             <a:r>
-              <a:rPr lang="en-US" dirty="0" smtClean="0"/>
+              <a:rPr lang="en-US" dirty="0"/>
               <a:t>Item 2</a:t>
             </a:r>
           </a:p>
           <a:p>
             <a:pPr lvl="0"/>
             <a:r>
-              <a:rPr lang="en-US" dirty="0" smtClean="0"/>
+              <a:rPr lang="en-US" dirty="0"/>
               <a:t>Item 3</a:t>
             </a:r>
-            <a:endParaRPr lang="en-US" dirty="0"/>
           </a:p>
         </p:txBody>
       </p:sp>
@@ -30584,7 +30351,7 @@
           <a:p>
             <a:fld id="{5958763E-B898-436D-883D-03711491D54A}" type="datetimeFigureOut">
               <a:rPr lang="en-US" smtClean="0"/>
-              <a:t>5/4/2020</a:t>
+              <a:t>1/19/2021</a:t>
             </a:fld>
             <a:endParaRPr lang="en-US"/>
           </a:p>
@@ -30691,13 +30458,6 @@
   <p:transition>
     <p:fade/>
   </p:transition>
-  <p:timing>
-    <p:tnLst>
-      <p:par>
-        <p:cTn id="1" dur="indefinite" restart="never" nodeType="tmRoot"/>
-      </p:par>
-    </p:tnLst>
-  </p:timing>
 </p:sldLayout>
 </file>
 
@@ -30859,7 +30619,7 @@
                 <a:spcPct val="0"/>
               </a:spcAft>
             </a:pPr>
-            <a:endParaRPr lang="en-US" sz="2400" dirty="0" err="1" smtClean="0">
+            <a:endParaRPr lang="en-US" sz="2400" dirty="0" err="1">
               <a:gradFill>
                 <a:gsLst>
                   <a:gs pos="0">
@@ -30912,10 +30672,9 @@
           </a:lstStyle>
           <a:p>
             <a:r>
-              <a:rPr lang="en-US" dirty="0" smtClean="0"/>
+              <a:rPr lang="en-US" dirty="0"/>
               <a:t>Notable Quote</a:t>
             </a:r>
-            <a:endParaRPr lang="en-US" dirty="0"/>
           </a:p>
         </p:txBody>
       </p:sp>
@@ -31042,10 +30801,9 @@
           <a:p>
             <a:pPr lvl="0"/>
             <a:r>
-              <a:rPr lang="en-US" dirty="0" smtClean="0"/>
+              <a:rPr lang="en-US" dirty="0"/>
               <a:t>– Attribution</a:t>
             </a:r>
-            <a:endParaRPr lang="en-US" dirty="0"/>
           </a:p>
         </p:txBody>
       </p:sp>
@@ -31072,7 +30830,7 @@
           <a:p>
             <a:fld id="{5958763E-B898-436D-883D-03711491D54A}" type="datetimeFigureOut">
               <a:rPr lang="en-US" smtClean="0"/>
-              <a:t>5/4/2020</a:t>
+              <a:t>1/19/2021</a:t>
             </a:fld>
             <a:endParaRPr lang="en-US"/>
           </a:p>
@@ -31820,13 +31578,6 @@
   <p:transition>
     <p:fade/>
   </p:transition>
-  <p:timing>
-    <p:tnLst>
-      <p:par>
-        <p:cTn id="1" dur="indefinite" restart="never" nodeType="tmRoot"/>
-      </p:par>
-    </p:tnLst>
-  </p:timing>
 </p:sldLayout>
 </file>
 
@@ -31898,7 +31649,7 @@
           <a:p>
             <a:fld id="{5958763E-B898-436D-883D-03711491D54A}" type="datetimeFigureOut">
               <a:rPr lang="en-US" smtClean="0"/>
-              <a:t>5/4/2020</a:t>
+              <a:t>1/19/2021</a:t>
             </a:fld>
             <a:endParaRPr lang="en-US"/>
           </a:p>
@@ -31971,13 +31722,6 @@
   <p:transition>
     <p:fade/>
   </p:transition>
-  <p:timing>
-    <p:tnLst>
-      <p:par>
-        <p:cTn id="1" dur="indefinite" restart="never" nodeType="tmRoot"/>
-      </p:par>
-    </p:tnLst>
-  </p:timing>
 </p:sldLayout>
 </file>
 
@@ -32106,7 +31850,7 @@
           <a:p>
             <a:fld id="{5958763E-B898-436D-883D-03711491D54A}" type="datetimeFigureOut">
               <a:rPr lang="en-US" smtClean="0"/>
-              <a:t>5/4/2020</a:t>
+              <a:t>1/19/2021</a:t>
             </a:fld>
             <a:endParaRPr lang="en-US"/>
           </a:p>
@@ -32229,13 +31973,6 @@
   <p:transition>
     <p:fade/>
   </p:transition>
-  <p:timing>
-    <p:tnLst>
-      <p:par>
-        <p:cTn id="1" dur="indefinite" restart="never" nodeType="tmRoot"/>
-      </p:par>
-    </p:tnLst>
-  </p:timing>
 </p:sldLayout>
 </file>
 
@@ -32448,7 +32185,7 @@
           <a:p>
             <a:fld id="{5958763E-B898-436D-883D-03711491D54A}" type="datetimeFigureOut">
               <a:rPr lang="en-US" smtClean="0"/>
-              <a:t>5/4/2020</a:t>
+              <a:t>1/19/2021</a:t>
             </a:fld>
             <a:endParaRPr lang="en-US"/>
           </a:p>
@@ -32521,13 +32258,6 @@
   <p:transition>
     <p:fade/>
   </p:transition>
-  <p:timing>
-    <p:tnLst>
-      <p:par>
-        <p:cTn id="1" dur="indefinite" restart="never" nodeType="tmRoot"/>
-      </p:par>
-    </p:tnLst>
-  </p:timing>
 </p:sldLayout>
 </file>
 
@@ -32685,7 +32415,7 @@
           <a:p>
             <a:fld id="{5958763E-B898-436D-883D-03711491D54A}" type="datetimeFigureOut">
               <a:rPr lang="en-US" smtClean="0"/>
-              <a:t>5/4/2020</a:t>
+              <a:t>1/19/2021</a:t>
             </a:fld>
             <a:endParaRPr lang="en-US"/>
           </a:p>
@@ -32758,13 +32488,6 @@
   <p:transition>
     <p:fade/>
   </p:transition>
-  <p:timing>
-    <p:tnLst>
-      <p:par>
-        <p:cTn id="1" dur="indefinite" restart="never" nodeType="tmRoot"/>
-      </p:par>
-    </p:tnLst>
-  </p:timing>
 </p:sldLayout>
 </file>
 
@@ -32936,7 +32659,7 @@
           <a:p>
             <a:fld id="{5958763E-B898-436D-883D-03711491D54A}" type="datetimeFigureOut">
               <a:rPr lang="en-US" smtClean="0"/>
-              <a:t>5/4/2020</a:t>
+              <a:t>1/19/2021</a:t>
             </a:fld>
             <a:endParaRPr lang="en-US"/>
           </a:p>
@@ -33082,13 +32805,6 @@
   <p:transition>
     <p:fade/>
   </p:transition>
-  <p:timing>
-    <p:tnLst>
-      <p:par>
-        <p:cTn id="1" dur="indefinite" restart="never" nodeType="tmRoot"/>
-      </p:par>
-    </p:tnLst>
-  </p:timing>
   <p:txStyles>
     <p:titleStyle>
       <a:lvl1pPr algn="l" defTabSz="914400" rtl="0" eaLnBrk="1" latinLnBrk="0" hangingPunct="1">
@@ -33393,7 +33109,7 @@
       </a:lvl9pPr>
     </p:otherStyle>
   </p:txStyles>
-  <p:extLst mod="1">
+  <p:extLst>
     <p:ext uri="{27BBF7A9-308A-43DC-89C8-2F10F3537804}">
       <p15:sldGuideLst xmlns:p15="http://schemas.microsoft.com/office/powerpoint/2012/main">
         <p15:guide id="1" orient="horz" pos="2160" userDrawn="1">
@@ -33472,17 +33188,16 @@
           <a:lstStyle/>
           <a:p>
             <a:r>
-              <a:rPr lang="en-US" sz="6600" dirty="0" smtClean="0"/>
+              <a:rPr lang="en-US" sz="6600" dirty="0"/>
               <a:t>Full-stack </a:t>
             </a:r>
             <a:br>
-              <a:rPr lang="en-US" sz="6600" dirty="0" smtClean="0"/>
+              <a:rPr lang="en-US" sz="6600" dirty="0"/>
             </a:br>
             <a:r>
-              <a:rPr lang="en-US" sz="6600" dirty="0" smtClean="0"/>
+              <a:rPr lang="en-US" sz="6600" dirty="0"/>
               <a:t>Web Development</a:t>
             </a:r>
-            <a:endParaRPr lang="en-US" sz="6600" dirty="0"/>
           </a:p>
         </p:txBody>
       </p:sp>
@@ -33507,10 +33222,9 @@
           <a:lstStyle/>
           <a:p>
             <a:r>
-              <a:rPr lang="en-US" dirty="0" smtClean="0"/>
+              <a:rPr lang="en-US" dirty="0"/>
               <a:t>Hy-Tech Club: Web 201</a:t>
             </a:r>
-            <a:endParaRPr lang="en-US" dirty="0"/>
           </a:p>
         </p:txBody>
       </p:sp>
@@ -36495,13 +36209,6 @@
   <p:transition>
     <p:fade/>
   </p:transition>
-  <p:timing>
-    <p:tnLst>
-      <p:par>
-        <p:cTn id="1" dur="indefinite" restart="never" nodeType="tmRoot"/>
-      </p:par>
-    </p:tnLst>
-  </p:timing>
 </p:sld>
 </file>
 
@@ -36546,18 +36253,13 @@
           <a:lstStyle/>
           <a:p>
             <a:r>
-              <a:rPr lang="en-US" dirty="0" smtClean="0">
+              <a:rPr lang="en-US" dirty="0">
                 <a:solidFill>
                   <a:schemeClr val="tx1"/>
                 </a:solidFill>
               </a:rPr>
               <a:t>MINI-QUIZ – What data could be in a database?</a:t>
             </a:r>
-            <a:endParaRPr lang="en-US" dirty="0">
-              <a:solidFill>
-                <a:schemeClr val="tx1"/>
-              </a:solidFill>
-            </a:endParaRPr>
           </a:p>
         </p:txBody>
       </p:sp>
@@ -36674,7 +36376,7 @@
               <a:buChar char="•"/>
             </a:pPr>
             <a:r>
-              <a:rPr lang="en-US" sz="4400" dirty="0" smtClean="0">
+              <a:rPr lang="en-US" sz="4400" dirty="0">
                 <a:solidFill>
                   <a:schemeClr val="accent1"/>
                 </a:solidFill>
@@ -36694,7 +36396,7 @@
               <a:buChar char="•"/>
             </a:pPr>
             <a:r>
-              <a:rPr lang="en-US" sz="4400" dirty="0" smtClean="0">
+              <a:rPr lang="en-US" sz="4400" dirty="0">
                 <a:solidFill>
                   <a:schemeClr val="accent1"/>
                 </a:solidFill>
@@ -36714,7 +36416,7 @@
               <a:buChar char="•"/>
             </a:pPr>
             <a:r>
-              <a:rPr lang="en-US" sz="4400" dirty="0" smtClean="0">
+              <a:rPr lang="en-US" sz="4400" dirty="0">
                 <a:solidFill>
                   <a:schemeClr val="accent1"/>
                 </a:solidFill>
@@ -36734,7 +36436,7 @@
               <a:buChar char="•"/>
             </a:pPr>
             <a:r>
-              <a:rPr lang="en-US" sz="4400" dirty="0" smtClean="0">
+              <a:rPr lang="en-US" sz="4400" dirty="0">
                 <a:solidFill>
                   <a:schemeClr val="accent1"/>
                 </a:solidFill>
@@ -36754,7 +36456,7 @@
               <a:buChar char="•"/>
             </a:pPr>
             <a:r>
-              <a:rPr lang="en-US" sz="4400" dirty="0" smtClean="0">
+              <a:rPr lang="en-US" sz="4400" dirty="0">
                 <a:solidFill>
                   <a:schemeClr val="accent1"/>
                 </a:solidFill>
@@ -36774,7 +36476,7 @@
               <a:buChar char="•"/>
             </a:pPr>
             <a:r>
-              <a:rPr lang="en-US" sz="4400" dirty="0" smtClean="0">
+              <a:rPr lang="en-US" sz="4400" dirty="0">
                 <a:solidFill>
                   <a:schemeClr val="accent1"/>
                 </a:solidFill>
@@ -36965,10 +36667,9 @@
           <a:lstStyle/>
           <a:p>
             <a:r>
-              <a:rPr lang="en-US" dirty="0" smtClean="0"/>
+              <a:rPr lang="en-US" dirty="0"/>
               <a:t>Back-end – Data Transfer</a:t>
             </a:r>
-            <a:endParaRPr lang="en-US" dirty="0"/>
           </a:p>
         </p:txBody>
       </p:sp>
@@ -36997,26 +36698,26 @@
             <a:pPr marL="57150" indent="0">
               <a:buNone/>
             </a:pPr>
-            <a:endParaRPr lang="en-US" sz="3200" smtClean="0"/>
+            <a:endParaRPr lang="en-US" sz="3200"/>
           </a:p>
           <a:p>
             <a:pPr marL="57150" indent="0">
               <a:buNone/>
             </a:pPr>
-            <a:endParaRPr lang="en-US" sz="3200" dirty="0" smtClean="0"/>
+            <a:endParaRPr lang="en-US" sz="3200" dirty="0"/>
           </a:p>
           <a:p>
             <a:r>
-              <a:rPr lang="en-US" sz="3200" dirty="0" smtClean="0"/>
+              <a:rPr lang="en-US" sz="3200" dirty="0"/>
               <a:t>If the front-end requests data, the server will search the database to find the relevant information</a:t>
             </a:r>
           </a:p>
           <a:p>
-            <a:endParaRPr lang="en-US" sz="3200" dirty="0" smtClean="0"/>
+            <a:endParaRPr lang="en-US" sz="3200" dirty="0"/>
           </a:p>
           <a:p>
             <a:r>
-              <a:rPr lang="en-US" sz="3200" dirty="0" smtClean="0"/>
+              <a:rPr lang="en-US" sz="3200" dirty="0"/>
               <a:t>If the front-end wants to update data, the server will update the database as needed</a:t>
             </a:r>
           </a:p>
@@ -37035,13 +36736,6 @@
   <p:transition>
     <p:fade/>
   </p:transition>
-  <p:timing>
-    <p:tnLst>
-      <p:par>
-        <p:cTn id="1" dur="indefinite" restart="never" nodeType="tmRoot"/>
-      </p:par>
-    </p:tnLst>
-  </p:timing>
 </p:sld>
 </file>
 
@@ -37084,10 +36778,9 @@
           <a:p>
             <a:pPr algn="r"/>
             <a:r>
-              <a:rPr lang="en-US" dirty="0" smtClean="0"/>
+              <a:rPr lang="en-US" dirty="0"/>
               <a:t>Full-stack</a:t>
             </a:r>
-            <a:endParaRPr lang="en-US" dirty="0"/>
           </a:p>
         </p:txBody>
       </p:sp>
@@ -37145,13 +36838,6 @@
   <p:transition>
     <p:fade/>
   </p:transition>
-  <p:timing>
-    <p:tnLst>
-      <p:par>
-        <p:cTn id="1" dur="indefinite" restart="never" nodeType="tmRoot"/>
-      </p:par>
-    </p:tnLst>
-  </p:timing>
 </p:sld>
 </file>
 
@@ -37188,10 +36874,9 @@
           <a:lstStyle/>
           <a:p>
             <a:r>
-              <a:rPr lang="en-US" dirty="0" smtClean="0"/>
+              <a:rPr lang="en-US" dirty="0"/>
               <a:t>Full-stack – Everything</a:t>
             </a:r>
-            <a:endParaRPr lang="en-US" dirty="0"/>
           </a:p>
         </p:txBody>
       </p:sp>
@@ -37218,28 +36903,28 @@
           <a:lstStyle/>
           <a:p>
             <a:r>
-              <a:rPr lang="en-US" sz="3200" b="1" dirty="0" smtClean="0"/>
+              <a:rPr lang="en-US" sz="3200" b="1" dirty="0"/>
               <a:t>Full-stack</a:t>
             </a:r>
             <a:r>
-              <a:rPr lang="en-US" sz="3200" dirty="0" smtClean="0"/>
+              <a:rPr lang="en-US" sz="3200" dirty="0"/>
               <a:t> developers need to understand the full picture of a web application</a:t>
             </a:r>
           </a:p>
           <a:p>
-            <a:endParaRPr lang="en-US" sz="3200" dirty="0" smtClean="0"/>
+            <a:endParaRPr lang="en-US" sz="3200" dirty="0"/>
           </a:p>
           <a:p>
             <a:r>
-              <a:rPr lang="en-US" sz="3200" dirty="0" smtClean="0"/>
+              <a:rPr lang="en-US" sz="3200" dirty="0"/>
               <a:t>They work with </a:t>
             </a:r>
             <a:r>
-              <a:rPr lang="en-US" sz="3200" i="1" dirty="0" smtClean="0"/>
+              <a:rPr lang="en-US" sz="3200" i="1" dirty="0"/>
               <a:t>all parts</a:t>
             </a:r>
             <a:r>
-              <a:rPr lang="en-US" sz="3200" dirty="0" smtClean="0"/>
+              <a:rPr lang="en-US" sz="3200" dirty="0"/>
               <a:t> of the stack, including frameworks:</a:t>
             </a:r>
           </a:p>
@@ -37375,7 +37060,7 @@
                 <a:spcPts val="600"/>
               </a:spcAft>
             </a:pPr>
-            <a:endParaRPr lang="en-US" sz="2400" dirty="0" err="1" smtClean="0">
+            <a:endParaRPr lang="en-US" sz="2400" dirty="0" err="1">
               <a:gradFill>
                 <a:gsLst>
                   <a:gs pos="2917">
@@ -37424,7 +37109,7 @@
               <a:buChar char="•"/>
             </a:pPr>
             <a:r>
-              <a:rPr lang="en-US" sz="2800" b="1" dirty="0" smtClean="0">
+              <a:rPr lang="en-US" sz="2800" b="1" dirty="0">
                 <a:solidFill>
                   <a:srgbClr val="56565A"/>
                 </a:solidFill>
@@ -37432,7 +37117,7 @@
               <a:t>EJS</a:t>
             </a:r>
             <a:r>
-              <a:rPr lang="en-US" sz="2800" dirty="0" smtClean="0">
+              <a:rPr lang="en-US" sz="2800" dirty="0">
                 <a:solidFill>
                   <a:srgbClr val="56565A"/>
                 </a:solidFill>
@@ -37440,7 +37125,7 @@
               <a:t> (</a:t>
             </a:r>
             <a:r>
-              <a:rPr lang="en-US" sz="2800" dirty="0" err="1" smtClean="0">
+              <a:rPr lang="en-US" sz="2800" dirty="0" err="1">
                 <a:solidFill>
                   <a:srgbClr val="56565A"/>
                 </a:solidFill>
@@ -37448,7 +37133,7 @@
               <a:t>Templating</a:t>
             </a:r>
             <a:r>
-              <a:rPr lang="en-US" sz="2800" dirty="0" smtClean="0">
+              <a:rPr lang="en-US" sz="2800" dirty="0">
                 <a:solidFill>
                   <a:srgbClr val="56565A"/>
                 </a:solidFill>
@@ -37468,7 +37153,7 @@
               <a:buChar char="•"/>
             </a:pPr>
             <a:r>
-              <a:rPr lang="en-US" sz="2800" b="1" dirty="0" smtClean="0">
+              <a:rPr lang="en-US" sz="2800" b="1" dirty="0">
                 <a:solidFill>
                   <a:srgbClr val="56565A"/>
                 </a:solidFill>
@@ -37476,7 +37161,7 @@
               <a:t>HTTP</a:t>
             </a:r>
             <a:r>
-              <a:rPr lang="en-US" sz="2800" dirty="0" smtClean="0">
+              <a:rPr lang="en-US" sz="2800" dirty="0">
                 <a:solidFill>
                   <a:srgbClr val="56565A"/>
                 </a:solidFill>
@@ -37496,7 +37181,7 @@
               <a:buChar char="•"/>
             </a:pPr>
             <a:r>
-              <a:rPr lang="en-US" sz="2800" b="1" dirty="0" smtClean="0">
+              <a:rPr lang="en-US" sz="2800" b="1" dirty="0">
                 <a:solidFill>
                   <a:srgbClr val="56565A"/>
                 </a:solidFill>
@@ -37504,7 +37189,7 @@
               <a:t>Node.js</a:t>
             </a:r>
             <a:r>
-              <a:rPr lang="en-US" sz="2800" dirty="0" smtClean="0">
+              <a:rPr lang="en-US" sz="2800" dirty="0">
                 <a:solidFill>
                   <a:srgbClr val="56565A"/>
                 </a:solidFill>
@@ -37512,7 +37197,7 @@
               <a:t> and </a:t>
             </a:r>
             <a:r>
-              <a:rPr lang="en-US" sz="2800" b="1" dirty="0" smtClean="0">
+              <a:rPr lang="en-US" sz="2800" b="1" dirty="0">
                 <a:solidFill>
                   <a:srgbClr val="56565A"/>
                 </a:solidFill>
@@ -37520,7 +37205,7 @@
               <a:t>Express</a:t>
             </a:r>
             <a:r>
-              <a:rPr lang="en-US" sz="2800" dirty="0" smtClean="0">
+              <a:rPr lang="en-US" sz="2800" dirty="0">
                 <a:solidFill>
                   <a:srgbClr val="56565A"/>
                 </a:solidFill>
@@ -37540,15 +37225,15 @@
               <a:buChar char="•"/>
             </a:pPr>
             <a:r>
-              <a:rPr lang="en-US" sz="2800" b="1" dirty="0" smtClean="0">
+              <a:rPr lang="en-US" sz="2800" b="1" dirty="0">
                 <a:solidFill>
                   <a:srgbClr val="56565A"/>
                 </a:solidFill>
               </a:rPr>
-              <a:t>MySQL</a:t>
+              <a:t>MySQL or Repl.it DB</a:t>
             </a:r>
             <a:r>
-              <a:rPr lang="en-US" sz="2800" dirty="0" smtClean="0">
+              <a:rPr lang="en-US" sz="2800" dirty="0">
                 <a:solidFill>
                   <a:srgbClr val="56565A"/>
                 </a:solidFill>
@@ -37568,7 +37253,7 @@
               <a:buChar char="•"/>
             </a:pPr>
             <a:r>
-              <a:rPr lang="en-US" sz="2800" b="1" dirty="0" smtClean="0">
+              <a:rPr lang="en-US" sz="2800" b="1" dirty="0">
                 <a:solidFill>
                   <a:srgbClr val="56565A"/>
                 </a:solidFill>
@@ -37576,7 +37261,7 @@
               <a:t>SQL </a:t>
             </a:r>
             <a:r>
-              <a:rPr lang="en-US" sz="2800" dirty="0" smtClean="0">
+              <a:rPr lang="en-US" sz="2800" dirty="0">
                 <a:solidFill>
                   <a:srgbClr val="56565A"/>
                 </a:solidFill>
@@ -37584,7 +37269,7 @@
               <a:t>queries</a:t>
             </a:r>
             <a:r>
-              <a:rPr lang="en-US" sz="2800" b="1" dirty="0" smtClean="0">
+              <a:rPr lang="en-US" sz="2800" b="1" dirty="0">
                 <a:solidFill>
                   <a:srgbClr val="56565A"/>
                 </a:solidFill>
@@ -37592,7 +37277,7 @@
               <a:t> </a:t>
             </a:r>
             <a:r>
-              <a:rPr lang="en-US" sz="2800" dirty="0" smtClean="0">
+              <a:rPr lang="en-US" sz="2800" dirty="0">
                 <a:solidFill>
                   <a:srgbClr val="56565A"/>
                 </a:solidFill>
@@ -37600,7 +37285,7 @@
               <a:t>and </a:t>
             </a:r>
             <a:r>
-              <a:rPr lang="en-US" sz="2800" b="1" dirty="0" smtClean="0">
+              <a:rPr lang="en-US" sz="2800" b="1" dirty="0">
                 <a:solidFill>
                   <a:srgbClr val="56565A"/>
                 </a:solidFill>
@@ -37608,18 +37293,13 @@
               <a:t>JSON</a:t>
             </a:r>
             <a:r>
-              <a:rPr lang="en-US" sz="2800" dirty="0" smtClean="0">
+              <a:rPr lang="en-US" sz="2800" dirty="0">
                 <a:solidFill>
                   <a:srgbClr val="56565A"/>
                 </a:solidFill>
               </a:rPr>
               <a:t> data</a:t>
             </a:r>
-            <a:endParaRPr lang="en-US" sz="2800" dirty="0">
-              <a:solidFill>
-                <a:srgbClr val="56565A"/>
-              </a:solidFill>
-            </a:endParaRPr>
           </a:p>
           <a:p>
             <a:pPr>
@@ -37630,7 +37310,7 @@
                 <a:spcPts val="600"/>
               </a:spcAft>
             </a:pPr>
-            <a:endParaRPr lang="en-US" sz="2400" dirty="0" err="1" smtClean="0">
+            <a:endParaRPr lang="en-US" sz="2400" dirty="0" err="1">
               <a:gradFill>
                 <a:gsLst>
                   <a:gs pos="2917">
@@ -37659,13 +37339,6 @@
   <p:transition>
     <p:fade/>
   </p:transition>
-  <p:timing>
-    <p:tnLst>
-      <p:par>
-        <p:cTn id="1" dur="indefinite" restart="never" nodeType="tmRoot"/>
-      </p:par>
-    </p:tnLst>
-  </p:timing>
 </p:sld>
 </file>
 
@@ -37702,10 +37375,9 @@
           <a:lstStyle/>
           <a:p>
             <a:r>
-              <a:rPr lang="en-US" dirty="0" smtClean="0"/>
+              <a:rPr lang="en-US" dirty="0"/>
               <a:t>Full-Stack Web Architecture</a:t>
             </a:r>
-            <a:endParaRPr lang="en-US" dirty="0"/>
           </a:p>
         </p:txBody>
       </p:sp>
@@ -37777,7 +37449,7 @@
               </a:spcAft>
             </a:pPr>
             <a:r>
-              <a:rPr lang="en-US" sz="2400" dirty="0" smtClean="0">
+              <a:rPr lang="en-US" sz="2400" dirty="0">
                 <a:solidFill>
                   <a:srgbClr val="000000"/>
                 </a:solidFill>
@@ -37800,7 +37472,7 @@
               </a:spcAft>
             </a:pPr>
             <a:r>
-              <a:rPr lang="en-US" dirty="0" smtClean="0">
+              <a:rPr lang="en-US" dirty="0">
                 <a:solidFill>
                   <a:srgbClr val="000000"/>
                 </a:solidFill>
@@ -37842,7 +37514,7 @@
                 <a:spcPct val="0"/>
               </a:spcAft>
             </a:pPr>
-            <a:endParaRPr lang="en-US" dirty="0" smtClean="0">
+            <a:endParaRPr lang="en-US" dirty="0">
               <a:solidFill>
                 <a:srgbClr val="000000"/>
               </a:solidFill>
@@ -37882,7 +37554,7 @@
                 <a:spcPct val="0"/>
               </a:spcAft>
             </a:pPr>
-            <a:endParaRPr lang="en-US" dirty="0" smtClean="0">
+            <a:endParaRPr lang="en-US" dirty="0">
               <a:solidFill>
                 <a:srgbClr val="000000"/>
               </a:solidFill>
@@ -37922,7 +37594,7 @@
                 <a:spcPct val="0"/>
               </a:spcAft>
             </a:pPr>
-            <a:endParaRPr lang="en-US" dirty="0" smtClean="0">
+            <a:endParaRPr lang="en-US" dirty="0">
               <a:solidFill>
                 <a:srgbClr val="000000"/>
               </a:solidFill>
@@ -37962,7 +37634,7 @@
                 <a:spcPct val="0"/>
               </a:spcAft>
             </a:pPr>
-            <a:endParaRPr lang="en-US" dirty="0" smtClean="0">
+            <a:endParaRPr lang="en-US" dirty="0">
               <a:solidFill>
                 <a:srgbClr val="000000"/>
               </a:solidFill>
@@ -38002,7 +37674,7 @@
                 <a:spcPct val="0"/>
               </a:spcAft>
             </a:pPr>
-            <a:endParaRPr lang="en-US" dirty="0" smtClean="0">
+            <a:endParaRPr lang="en-US" dirty="0">
               <a:solidFill>
                 <a:srgbClr val="000000"/>
               </a:solidFill>
@@ -38022,7 +37694,7 @@
                 <a:spcPct val="0"/>
               </a:spcAft>
             </a:pPr>
-            <a:endParaRPr lang="en-US" dirty="0" smtClean="0">
+            <a:endParaRPr lang="en-US" dirty="0">
               <a:solidFill>
                 <a:srgbClr val="000000"/>
               </a:solidFill>
@@ -38043,7 +37715,7 @@
               </a:spcAft>
             </a:pPr>
             <a:r>
-              <a:rPr lang="en-US" b="1" dirty="0" smtClean="0">
+              <a:rPr lang="en-US" b="1" dirty="0">
                 <a:solidFill>
                   <a:srgbClr val="000000"/>
                 </a:solidFill>
@@ -38053,7 +37725,7 @@
               <a:t>HTML</a:t>
             </a:r>
             <a:r>
-              <a:rPr lang="en-US" dirty="0" smtClean="0">
+              <a:rPr lang="en-US" dirty="0">
                 <a:solidFill>
                   <a:srgbClr val="000000"/>
                 </a:solidFill>
@@ -38063,7 +37735,7 @@
               <a:t>, </a:t>
             </a:r>
             <a:r>
-              <a:rPr lang="en-US" b="1" dirty="0" smtClean="0">
+              <a:rPr lang="en-US" b="1" dirty="0">
                 <a:solidFill>
                   <a:srgbClr val="000000"/>
                 </a:solidFill>
@@ -38073,7 +37745,7 @@
               <a:t>CSS</a:t>
             </a:r>
             <a:r>
-              <a:rPr lang="en-US" dirty="0" smtClean="0">
+              <a:rPr lang="en-US" dirty="0">
                 <a:solidFill>
                   <a:srgbClr val="000000"/>
                 </a:solidFill>
@@ -38083,7 +37755,7 @@
               <a:t>, </a:t>
             </a:r>
             <a:r>
-              <a:rPr lang="en-US" b="1" dirty="0" smtClean="0">
+              <a:rPr lang="en-US" b="1" dirty="0">
                 <a:solidFill>
                   <a:srgbClr val="000000"/>
                 </a:solidFill>
@@ -38093,7 +37765,7 @@
               <a:t>JavaScript</a:t>
             </a:r>
             <a:r>
-              <a:rPr lang="en-US" dirty="0" smtClean="0">
+              <a:rPr lang="en-US" dirty="0">
                 <a:solidFill>
                   <a:srgbClr val="000000"/>
                 </a:solidFill>
@@ -38103,7 +37775,7 @@
               <a:t>, </a:t>
             </a:r>
             <a:r>
-              <a:rPr lang="en-US" b="1" dirty="0" smtClean="0">
+              <a:rPr lang="en-US" b="1" dirty="0">
                 <a:solidFill>
                   <a:srgbClr val="000000"/>
                 </a:solidFill>
@@ -38125,7 +37797,7 @@
                 <a:spcPct val="0"/>
               </a:spcAft>
             </a:pPr>
-            <a:endParaRPr lang="en-US" sz="900" dirty="0" smtClean="0">
+            <a:endParaRPr lang="en-US" sz="900" dirty="0">
               <a:solidFill>
                 <a:srgbClr val="000000"/>
               </a:solidFill>
@@ -38146,7 +37818,7 @@
               </a:spcAft>
             </a:pPr>
             <a:r>
-              <a:rPr lang="en-US" sz="1600" i="1" dirty="0" smtClean="0">
+              <a:rPr lang="en-US" sz="1600" i="1" dirty="0">
                 <a:solidFill>
                   <a:srgbClr val="000000"/>
                 </a:solidFill>
@@ -38224,7 +37896,7 @@
               </a:spcAft>
             </a:pPr>
             <a:r>
-              <a:rPr lang="en-US" sz="2400" dirty="0" smtClean="0">
+              <a:rPr lang="en-US" sz="2400" dirty="0">
                 <a:solidFill>
                   <a:srgbClr val="000000"/>
                 </a:solidFill>
@@ -38247,7 +37919,7 @@
               </a:spcAft>
             </a:pPr>
             <a:r>
-              <a:rPr lang="en-US" dirty="0" smtClean="0">
+              <a:rPr lang="en-US" dirty="0">
                 <a:solidFill>
                   <a:srgbClr val="000000"/>
                 </a:solidFill>
@@ -38413,7 +38085,7 @@
               </a:spcAft>
             </a:pPr>
             <a:r>
-              <a:rPr lang="en-US" b="1" dirty="0" smtClean="0">
+              <a:rPr lang="en-US" b="1" dirty="0">
                 <a:solidFill>
                   <a:srgbClr val="000000"/>
                 </a:solidFill>
@@ -38431,14 +38103,14 @@
               </a:spcAft>
             </a:pPr>
             <a:r>
-              <a:rPr lang="en-US" sz="1600" i="1" dirty="0" smtClean="0">
+              <a:rPr lang="en-US" sz="1600" i="1" dirty="0">
                 <a:solidFill>
                   <a:srgbClr val="000000"/>
                 </a:solidFill>
               </a:rPr>
               <a:t>Server</a:t>
             </a:r>
-            <a:endParaRPr lang="en-US" i="1" dirty="0" smtClean="0">
+            <a:endParaRPr lang="en-US" i="1" dirty="0">
               <a:solidFill>
                 <a:srgbClr val="000000"/>
               </a:solidFill>
@@ -38477,12 +38149,12 @@
               </a:spcAft>
             </a:pPr>
             <a:r>
-              <a:rPr lang="en-US" b="1" dirty="0" smtClean="0">
+              <a:rPr lang="en-US" b="1" dirty="0">
                 <a:solidFill>
                   <a:srgbClr val="000000"/>
                 </a:solidFill>
               </a:rPr>
-              <a:t>MySQL</a:t>
+              <a:t>MySQL or Repl.it DB</a:t>
             </a:r>
           </a:p>
           <a:p>
@@ -38495,14 +38167,14 @@
               </a:spcAft>
             </a:pPr>
             <a:r>
-              <a:rPr lang="en-US" sz="1600" i="1" dirty="0" smtClean="0">
+              <a:rPr lang="en-US" sz="1600" i="1" dirty="0">
                 <a:solidFill>
                   <a:srgbClr val="000000"/>
                 </a:solidFill>
               </a:rPr>
               <a:t>Database</a:t>
             </a:r>
-            <a:endParaRPr lang="en-US" i="1" dirty="0" smtClean="0">
+            <a:endParaRPr lang="en-US" i="1" dirty="0">
               <a:solidFill>
                 <a:srgbClr val="000000"/>
               </a:solidFill>
@@ -38693,7 +38365,7 @@
               </a:spcAft>
             </a:pPr>
             <a:r>
-              <a:rPr lang="en-US" sz="1400" dirty="0" smtClean="0">
+              <a:rPr lang="en-US" sz="1400" dirty="0">
                 <a:solidFill>
                   <a:srgbClr val="00586F"/>
                 </a:solidFill>
@@ -38734,7 +38406,7 @@
               </a:spcAft>
             </a:pPr>
             <a:r>
-              <a:rPr lang="en-US" sz="1400" dirty="0" smtClean="0">
+              <a:rPr lang="en-US" sz="1400" dirty="0">
                 <a:solidFill>
                   <a:srgbClr val="000000"/>
                 </a:solidFill>
@@ -38775,7 +38447,7 @@
               </a:spcAft>
             </a:pPr>
             <a:r>
-              <a:rPr lang="en-US" sz="1400" dirty="0" smtClean="0">
+              <a:rPr lang="en-US" sz="1400" dirty="0">
                 <a:solidFill>
                   <a:schemeClr val="accent1"/>
                 </a:solidFill>
@@ -38798,13 +38470,6 @@
   <p:transition>
     <p:fade/>
   </p:transition>
-  <p:timing>
-    <p:tnLst>
-      <p:par>
-        <p:cTn id="1" dur="indefinite" restart="never" nodeType="tmRoot"/>
-      </p:par>
-    </p:tnLst>
-  </p:timing>
 </p:sld>
 </file>
 
@@ -38841,10 +38506,9 @@
           <a:lstStyle/>
           <a:p>
             <a:r>
-              <a:rPr lang="en-US" dirty="0" smtClean="0"/>
+              <a:rPr lang="en-US" dirty="0"/>
               <a:t>Agenda</a:t>
             </a:r>
-            <a:endParaRPr lang="en-US" dirty="0"/>
           </a:p>
         </p:txBody>
       </p:sp>
@@ -38864,22 +38528,21 @@
           <a:lstStyle/>
           <a:p>
             <a:r>
-              <a:rPr lang="en-US" dirty="0" smtClean="0"/>
+              <a:rPr lang="en-US" dirty="0"/>
               <a:t>Front-end</a:t>
             </a:r>
           </a:p>
           <a:p>
             <a:r>
-              <a:rPr lang="en-US" dirty="0" smtClean="0"/>
+              <a:rPr lang="en-US" dirty="0"/>
               <a:t>Back-end</a:t>
             </a:r>
           </a:p>
           <a:p>
             <a:r>
-              <a:rPr lang="en-US" dirty="0" smtClean="0"/>
+              <a:rPr lang="en-US" dirty="0"/>
               <a:t>Full-stack</a:t>
             </a:r>
-            <a:endParaRPr lang="en-US" dirty="0"/>
           </a:p>
         </p:txBody>
       </p:sp>
@@ -38896,13 +38559,6 @@
   <p:transition>
     <p:fade/>
   </p:transition>
-  <p:timing>
-    <p:tnLst>
-      <p:par>
-        <p:cTn id="1" dur="indefinite" restart="never" nodeType="tmRoot"/>
-      </p:par>
-    </p:tnLst>
-  </p:timing>
 </p:sld>
 </file>
 
@@ -38983,13 +38639,6 @@
   <p:transition>
     <p:fade/>
   </p:transition>
-  <p:timing>
-    <p:tnLst>
-      <p:par>
-        <p:cTn id="1" dur="indefinite" restart="never" nodeType="tmRoot"/>
-      </p:par>
-    </p:tnLst>
-  </p:timing>
 </p:sld>
 </file>
 
@@ -39032,14 +38681,14 @@
           <a:p>
             <a:pPr algn="r"/>
             <a:r>
-              <a:rPr lang="en-US" dirty="0" smtClean="0"/>
+              <a:rPr lang="en-US" dirty="0"/>
               <a:t>Front-end</a:t>
             </a:r>
             <a:br>
-              <a:rPr lang="en-US" dirty="0" smtClean="0"/>
+              <a:rPr lang="en-US" dirty="0"/>
             </a:br>
             <a:r>
-              <a:rPr lang="en-US" sz="3200" dirty="0" smtClean="0"/>
+              <a:rPr lang="en-US" sz="3200" dirty="0"/>
               <a:t>(client side)</a:t>
             </a:r>
             <a:endParaRPr lang="en-US" dirty="0"/>
@@ -39098,13 +38747,6 @@
   <p:transition>
     <p:fade/>
   </p:transition>
-  <p:timing>
-    <p:tnLst>
-      <p:par>
-        <p:cTn id="1" dur="indefinite" restart="never" nodeType="tmRoot"/>
-      </p:par>
-    </p:tnLst>
-  </p:timing>
 </p:sld>
 </file>
 
@@ -39141,10 +38783,9 @@
           <a:lstStyle/>
           <a:p>
             <a:r>
-              <a:rPr lang="en-US" dirty="0" smtClean="0"/>
+              <a:rPr lang="en-US" dirty="0"/>
               <a:t>Front-end – The user interface</a:t>
             </a:r>
-            <a:endParaRPr lang="en-US" dirty="0"/>
           </a:p>
         </p:txBody>
       </p:sp>
@@ -39169,15 +38810,15 @@
           <a:lstStyle/>
           <a:p>
             <a:r>
-              <a:rPr lang="en-US" dirty="0" smtClean="0"/>
+              <a:rPr lang="en-US" dirty="0"/>
               <a:t>The </a:t>
             </a:r>
             <a:r>
-              <a:rPr lang="en-US" b="1" dirty="0" smtClean="0"/>
+              <a:rPr lang="en-US" b="1" dirty="0"/>
               <a:t>front-end</a:t>
             </a:r>
             <a:r>
-              <a:rPr lang="en-US" dirty="0" smtClean="0"/>
+              <a:rPr lang="en-US" dirty="0"/>
               <a:t> of a web application is everything the user sees</a:t>
             </a:r>
           </a:p>
@@ -39337,7 +38978,7 @@
               </a:spcAft>
             </a:pPr>
             <a:r>
-              <a:rPr lang="en-US" sz="2400" dirty="0" smtClean="0">
+              <a:rPr lang="en-US" sz="2400" dirty="0">
                 <a:gradFill>
                   <a:gsLst>
                     <a:gs pos="2917">
@@ -39386,7 +39027,7 @@
               </a:spcAft>
             </a:pPr>
             <a:r>
-              <a:rPr lang="en-US" sz="2400" dirty="0" smtClean="0">
+              <a:rPr lang="en-US" sz="2400" dirty="0">
                 <a:gradFill>
                   <a:gsLst>
                     <a:gs pos="2917">
@@ -39435,7 +39076,7 @@
               </a:spcAft>
             </a:pPr>
             <a:r>
-              <a:rPr lang="en-US" sz="2400" dirty="0" smtClean="0">
+              <a:rPr lang="en-US" sz="2400" dirty="0">
                 <a:gradFill>
                   <a:gsLst>
                     <a:gs pos="2917">
@@ -39466,13 +39107,6 @@
   <p:transition>
     <p:fade/>
   </p:transition>
-  <p:timing>
-    <p:tnLst>
-      <p:par>
-        <p:cTn id="1" dur="indefinite" restart="never" nodeType="tmRoot"/>
-      </p:par>
-    </p:tnLst>
-  </p:timing>
 </p:sld>
 </file>
 
@@ -39509,10 +39143,9 @@
           <a:lstStyle/>
           <a:p>
             <a:r>
-              <a:rPr lang="en-US" dirty="0" smtClean="0"/>
+              <a:rPr lang="en-US" dirty="0"/>
               <a:t>Front-end – Data Transfer</a:t>
             </a:r>
-            <a:endParaRPr lang="en-US" dirty="0"/>
           </a:p>
         </p:txBody>
       </p:sp>
@@ -39539,31 +39172,31 @@
           <a:lstStyle/>
           <a:p>
             <a:r>
-              <a:rPr lang="en-US" dirty="0" smtClean="0"/>
+              <a:rPr lang="en-US" dirty="0"/>
               <a:t>The front-end </a:t>
             </a:r>
             <a:r>
-              <a:rPr lang="en-US" b="1" dirty="0" smtClean="0"/>
+              <a:rPr lang="en-US" b="1" dirty="0"/>
               <a:t>receives</a:t>
             </a:r>
             <a:r>
-              <a:rPr lang="en-US" dirty="0" smtClean="0"/>
+              <a:rPr lang="en-US" dirty="0"/>
               <a:t> data </a:t>
             </a:r>
             <a:r>
-              <a:rPr lang="en-US" i="1" dirty="0" smtClean="0"/>
+              <a:rPr lang="en-US" i="1" dirty="0"/>
               <a:t>from</a:t>
             </a:r>
             <a:r>
-              <a:rPr lang="en-US" dirty="0" smtClean="0"/>
+              <a:rPr lang="en-US" dirty="0"/>
               <a:t> the back-end and uses it to show the information </a:t>
             </a:r>
             <a:r>
-              <a:rPr lang="en-US" i="1" dirty="0" smtClean="0"/>
+              <a:rPr lang="en-US" i="1" dirty="0"/>
               <a:t>to</a:t>
             </a:r>
             <a:r>
-              <a:rPr lang="en-US" dirty="0" smtClean="0"/>
+              <a:rPr lang="en-US" dirty="0"/>
               <a:t> the user</a:t>
             </a:r>
           </a:p>
@@ -39605,7 +39238,7 @@
             </a:endParaRPr>
           </a:p>
           <a:p>
-            <a:endParaRPr lang="en-US" dirty="0" smtClean="0"/>
+            <a:endParaRPr lang="en-US" dirty="0"/>
           </a:p>
         </p:txBody>
       </p:sp>
@@ -39696,7 +39329,7 @@
                 <a:spcPct val="0"/>
               </a:spcAft>
             </a:pPr>
-            <a:endParaRPr lang="en-US" sz="2400" dirty="0" err="1" smtClean="0">
+            <a:endParaRPr lang="en-US" sz="2400" dirty="0" err="1">
               <a:gradFill>
                 <a:gsLst>
                   <a:gs pos="0">
@@ -39777,7 +39410,7 @@
                 <a:spcPct val="0"/>
               </a:spcAft>
             </a:pPr>
-            <a:endParaRPr lang="en-US" sz="2400" dirty="0" err="1" smtClean="0">
+            <a:endParaRPr lang="en-US" sz="2400" dirty="0" err="1">
               <a:gradFill>
                 <a:gsLst>
                   <a:gs pos="0">
@@ -39858,7 +39491,7 @@
                 <a:spcPct val="0"/>
               </a:spcAft>
             </a:pPr>
-            <a:endParaRPr lang="en-US" sz="2400" dirty="0" err="1" smtClean="0">
+            <a:endParaRPr lang="en-US" sz="2400" dirty="0" err="1">
               <a:gradFill>
                 <a:gsLst>
                   <a:gs pos="0">
@@ -39939,7 +39572,7 @@
                 <a:spcPct val="0"/>
               </a:spcAft>
             </a:pPr>
-            <a:endParaRPr lang="en-US" sz="2400" dirty="0" err="1" smtClean="0">
+            <a:endParaRPr lang="en-US" sz="2400" dirty="0" err="1">
               <a:gradFill>
                 <a:gsLst>
                   <a:gs pos="0">
@@ -39990,7 +39623,7 @@
               <a:buChar char="•"/>
             </a:pPr>
             <a:r>
-              <a:rPr lang="en-US" sz="3600" dirty="0" smtClean="0">
+              <a:rPr lang="en-US" sz="3600" dirty="0">
                 <a:solidFill>
                   <a:schemeClr val="accent2"/>
                 </a:solidFill>
@@ -40010,7 +39643,7 @@
               <a:buChar char="•"/>
             </a:pPr>
             <a:r>
-              <a:rPr lang="en-US" sz="3600" dirty="0" smtClean="0">
+              <a:rPr lang="en-US" sz="3600" dirty="0">
                 <a:solidFill>
                   <a:schemeClr val="accent1"/>
                 </a:solidFill>
@@ -40030,7 +39663,7 @@
               <a:buChar char="•"/>
             </a:pPr>
             <a:r>
-              <a:rPr lang="en-US" sz="3600" dirty="0" smtClean="0">
+              <a:rPr lang="en-US" sz="3600" dirty="0">
                 <a:solidFill>
                   <a:srgbClr val="E95EBE"/>
                 </a:solidFill>
@@ -40050,7 +39683,7 @@
               <a:buChar char="•"/>
             </a:pPr>
             <a:r>
-              <a:rPr lang="en-US" sz="3600" dirty="0" smtClean="0">
+              <a:rPr lang="en-US" sz="3600" dirty="0">
                 <a:solidFill>
                   <a:srgbClr val="FF8300"/>
                 </a:solidFill>
@@ -40750,10 +40383,9 @@
           <a:lstStyle/>
           <a:p>
             <a:r>
-              <a:rPr lang="en-US" dirty="0" smtClean="0"/>
+              <a:rPr lang="en-US" dirty="0"/>
               <a:t>Front-end – Data Transfer</a:t>
             </a:r>
-            <a:endParaRPr lang="en-US" dirty="0"/>
           </a:p>
         </p:txBody>
       </p:sp>
@@ -40780,36 +40412,36 @@
           <a:lstStyle/>
           <a:p>
             <a:r>
-              <a:rPr lang="en-US" dirty="0" smtClean="0"/>
+              <a:rPr lang="en-US" dirty="0"/>
               <a:t>The front-end </a:t>
             </a:r>
             <a:r>
-              <a:rPr lang="en-US" b="1" dirty="0" smtClean="0"/>
+              <a:rPr lang="en-US" b="1" dirty="0"/>
               <a:t>sends</a:t>
             </a:r>
             <a:r>
-              <a:rPr lang="en-US" dirty="0" smtClean="0"/>
+              <a:rPr lang="en-US" dirty="0"/>
               <a:t> data </a:t>
             </a:r>
             <a:r>
-              <a:rPr lang="en-US" i="1" dirty="0" smtClean="0"/>
+              <a:rPr lang="en-US" i="1" dirty="0"/>
               <a:t>from</a:t>
             </a:r>
             <a:r>
-              <a:rPr lang="en-US" dirty="0" smtClean="0"/>
+              <a:rPr lang="en-US" dirty="0"/>
               <a:t> the user </a:t>
             </a:r>
             <a:r>
-              <a:rPr lang="en-US" i="1" dirty="0" smtClean="0"/>
+              <a:rPr lang="en-US" i="1" dirty="0"/>
               <a:t>to</a:t>
             </a:r>
             <a:r>
-              <a:rPr lang="en-US" dirty="0" smtClean="0"/>
+              <a:rPr lang="en-US" dirty="0"/>
               <a:t> the back-end to update it</a:t>
             </a:r>
           </a:p>
           <a:p>
-            <a:endParaRPr lang="en-US" sz="1800" dirty="0" smtClean="0"/>
+            <a:endParaRPr lang="en-US" sz="1800" dirty="0"/>
           </a:p>
           <a:p>
             <a:r>
@@ -40826,25 +40458,9 @@
                   <a:lin ang="5400000" scaled="0"/>
                 </a:gradFill>
               </a:rPr>
-              <a:t>Example</a:t>
+              <a:t>Example: Editing Twitter Profile</a:t>
             </a:r>
-            <a:r>
-              <a:rPr lang="en-US" dirty="0" smtClean="0">
-                <a:gradFill>
-                  <a:gsLst>
-                    <a:gs pos="2917">
-                      <a:schemeClr val="tx1"/>
-                    </a:gs>
-                    <a:gs pos="30000">
-                      <a:schemeClr val="tx1"/>
-                    </a:gs>
-                  </a:gsLst>
-                  <a:lin ang="5400000" scaled="0"/>
-                </a:gradFill>
-              </a:rPr>
-              <a:t>: Editing Twitter Profile</a:t>
-            </a:r>
-            <a:endParaRPr lang="en-US" dirty="0" smtClean="0"/>
+            <a:endParaRPr lang="en-US" dirty="0"/>
           </a:p>
         </p:txBody>
       </p:sp>
@@ -40911,7 +40527,7 @@
                 <a:spcPct val="0"/>
               </a:spcAft>
             </a:pPr>
-            <a:endParaRPr lang="en-US" sz="2400" dirty="0" err="1" smtClean="0">
+            <a:endParaRPr lang="en-US" sz="2400" dirty="0" err="1">
               <a:gradFill>
                 <a:gsLst>
                   <a:gs pos="0">
@@ -40992,7 +40608,7 @@
                 <a:spcPct val="0"/>
               </a:spcAft>
             </a:pPr>
-            <a:endParaRPr lang="en-US" sz="2400" dirty="0" err="1" smtClean="0">
+            <a:endParaRPr lang="en-US" sz="2400" dirty="0" err="1">
               <a:gradFill>
                 <a:gsLst>
                   <a:gs pos="0">
@@ -41073,7 +40689,7 @@
                 <a:spcPct val="0"/>
               </a:spcAft>
             </a:pPr>
-            <a:endParaRPr lang="en-US" sz="2400" dirty="0" err="1" smtClean="0">
+            <a:endParaRPr lang="en-US" sz="2400" dirty="0" err="1">
               <a:gradFill>
                 <a:gsLst>
                   <a:gs pos="0">
@@ -41124,14 +40740,14 @@
               <a:buChar char="•"/>
             </a:pPr>
             <a:r>
-              <a:rPr lang="en-US" sz="3600" dirty="0" smtClean="0">
+              <a:rPr lang="en-US" sz="3600" dirty="0">
                 <a:solidFill>
                   <a:schemeClr val="accent2"/>
                 </a:solidFill>
               </a:rPr>
               <a:t>Name</a:t>
             </a:r>
-            <a:endParaRPr lang="en-US" sz="3600" dirty="0" smtClean="0">
+            <a:endParaRPr lang="en-US" sz="3600" dirty="0">
               <a:solidFill>
                 <a:schemeClr val="accent1"/>
               </a:solidFill>
@@ -41149,7 +40765,7 @@
               <a:buChar char="•"/>
             </a:pPr>
             <a:r>
-              <a:rPr lang="en-US" sz="3600" dirty="0" smtClean="0">
+              <a:rPr lang="en-US" sz="3600" dirty="0">
                 <a:solidFill>
                   <a:srgbClr val="E95EBE"/>
                 </a:solidFill>
@@ -41169,7 +40785,7 @@
               <a:buChar char="•"/>
             </a:pPr>
             <a:r>
-              <a:rPr lang="en-US" sz="3600" dirty="0" smtClean="0">
+              <a:rPr lang="en-US" sz="3600" dirty="0">
                 <a:solidFill>
                   <a:srgbClr val="FF8300"/>
                 </a:solidFill>
@@ -41189,7 +40805,7 @@
               <a:buChar char="•"/>
             </a:pPr>
             <a:r>
-              <a:rPr lang="en-US" sz="3600" dirty="0" smtClean="0">
+              <a:rPr lang="en-US" sz="3600" dirty="0">
                 <a:solidFill>
                   <a:schemeClr val="accent1"/>
                 </a:solidFill>
@@ -41262,7 +40878,7 @@
                 <a:spcPct val="0"/>
               </a:spcAft>
             </a:pPr>
-            <a:endParaRPr lang="en-US" sz="2400" dirty="0" err="1" smtClean="0">
+            <a:endParaRPr lang="en-US" sz="2400" dirty="0" err="1">
               <a:gradFill>
                 <a:gsLst>
                   <a:gs pos="0">
@@ -41952,14 +41568,14 @@
           <a:p>
             <a:pPr algn="r"/>
             <a:r>
-              <a:rPr lang="en-US" dirty="0" smtClean="0"/>
+              <a:rPr lang="en-US" dirty="0"/>
               <a:t>Back-end</a:t>
             </a:r>
             <a:br>
-              <a:rPr lang="en-US" dirty="0" smtClean="0"/>
+              <a:rPr lang="en-US" dirty="0"/>
             </a:br>
             <a:r>
-              <a:rPr lang="en-US" sz="3200" dirty="0" smtClean="0"/>
+              <a:rPr lang="en-US" sz="3200" dirty="0"/>
               <a:t>(Server Side)</a:t>
             </a:r>
             <a:endParaRPr lang="en-US" dirty="0"/>
@@ -42018,13 +41634,6 @@
   <p:transition>
     <p:fade/>
   </p:transition>
-  <p:timing>
-    <p:tnLst>
-      <p:par>
-        <p:cTn id="1" dur="indefinite" restart="never" nodeType="tmRoot"/>
-      </p:par>
-    </p:tnLst>
-  </p:timing>
 </p:sld>
 </file>
 
@@ -42061,10 +41670,9 @@
           <a:lstStyle/>
           <a:p>
             <a:r>
-              <a:rPr lang="en-US" dirty="0" smtClean="0"/>
+              <a:rPr lang="en-US" dirty="0"/>
               <a:t>Back-end – behind the scenes</a:t>
             </a:r>
-            <a:endParaRPr lang="en-US" dirty="0"/>
           </a:p>
         </p:txBody>
       </p:sp>
@@ -42091,21 +41699,21 @@
           <a:lstStyle/>
           <a:p>
             <a:r>
-              <a:rPr lang="en-US" dirty="0" smtClean="0"/>
+              <a:rPr lang="en-US" dirty="0"/>
               <a:t>The </a:t>
             </a:r>
             <a:r>
-              <a:rPr lang="en-US" b="1" dirty="0" smtClean="0"/>
+              <a:rPr lang="en-US" b="1" dirty="0"/>
               <a:t>back-end</a:t>
             </a:r>
             <a:r>
-              <a:rPr lang="en-US" dirty="0" smtClean="0"/>
+              <a:rPr lang="en-US" dirty="0"/>
               <a:t> of a web application is the engine that runs the website</a:t>
             </a:r>
           </a:p>
           <a:p>
             <a:r>
-              <a:rPr lang="en-US" dirty="0" smtClean="0"/>
+              <a:rPr lang="en-US" dirty="0"/>
               <a:t>It processes requests from the front-end, and holds data for the app</a:t>
             </a:r>
           </a:p>
@@ -42132,8 +41740,8 @@
         </p:blipFill>
         <p:spPr bwMode="auto">
           <a:xfrm>
-            <a:off x="6680511" y="2448612"/>
-            <a:ext cx="2857500" cy="3446675"/>
+            <a:off x="9142942" y="4079718"/>
+            <a:ext cx="1791758" cy="2161193"/>
           </a:xfrm>
           <a:prstGeom prst="rect">
             <a:avLst/>
@@ -42181,7 +41789,7 @@
               </a:spcAft>
             </a:pPr>
             <a:r>
-              <a:rPr lang="en-US" sz="2400" dirty="0" smtClean="0">
+              <a:rPr lang="en-US" sz="2400" dirty="0">
                 <a:gradFill>
                   <a:gsLst>
                     <a:gs pos="2917">
@@ -42310,7 +41918,7 @@
               </a:spcAft>
             </a:pPr>
             <a:r>
-              <a:rPr lang="en-US" sz="2400" dirty="0" smtClean="0">
+              <a:rPr lang="en-US" sz="2400" dirty="0">
                 <a:gradFill>
                   <a:gsLst>
                     <a:gs pos="2917">
@@ -42328,6 +41936,100 @@
           </a:p>
         </p:txBody>
       </p:sp>
+      <p:pic>
+        <p:nvPicPr>
+          <p:cNvPr id="1026" name="Picture 2" descr="Mongodb Icon of Flat style - Available in SVG, PNG, EPS, AI &amp; Icon fonts">
+            <a:extLst>
+              <a:ext uri="{FF2B5EF4-FFF2-40B4-BE49-F238E27FC236}">
+                <a16:creationId xmlns:a16="http://schemas.microsoft.com/office/drawing/2014/main" id="{5EEBD976-3BE5-4748-9DC1-FE7C08931636}"/>
+              </a:ext>
+            </a:extLst>
+          </p:cNvPr>
+          <p:cNvPicPr>
+            <a:picLocks noChangeAspect="1" noChangeArrowheads="1"/>
+          </p:cNvPicPr>
+          <p:nvPr/>
+        </p:nvPicPr>
+        <p:blipFill>
+          <a:blip r:embed="rId6">
+            <a:extLst>
+              <a:ext uri="{28A0092B-C50C-407E-A947-70E740481C1C}">
+                <a14:useLocalDpi xmlns:a14="http://schemas.microsoft.com/office/drawing/2010/main" val="0"/>
+              </a:ext>
+            </a:extLst>
+          </a:blip>
+          <a:srcRect/>
+          <a:stretch>
+            <a:fillRect/>
+          </a:stretch>
+        </p:blipFill>
+        <p:spPr bwMode="auto">
+          <a:xfrm>
+            <a:off x="6166161" y="3793436"/>
+            <a:ext cx="1981200" cy="1981200"/>
+          </a:xfrm>
+          <a:prstGeom prst="rect">
+            <a:avLst/>
+          </a:prstGeom>
+          <a:noFill/>
+          <a:extLst>
+            <a:ext uri="{909E8E84-426E-40DD-AFC4-6F175D3DCCD1}">
+              <a14:hiddenFill xmlns:a14="http://schemas.microsoft.com/office/drawing/2010/main">
+                <a:solidFill>
+                  <a:srgbClr val="FFFFFF"/>
+                </a:solidFill>
+              </a14:hiddenFill>
+            </a:ext>
+          </a:extLst>
+        </p:spPr>
+      </p:pic>
+      <p:pic>
+        <p:nvPicPr>
+          <p:cNvPr id="1028" name="Picture 4" descr="Database Icon - Free Download, PNG and Vector">
+            <a:extLst>
+              <a:ext uri="{FF2B5EF4-FFF2-40B4-BE49-F238E27FC236}">
+                <a16:creationId xmlns:a16="http://schemas.microsoft.com/office/drawing/2014/main" id="{9B3CDFDF-3E27-49A9-BA4C-07DEBC87DC26}"/>
+              </a:ext>
+            </a:extLst>
+          </p:cNvPr>
+          <p:cNvPicPr>
+            <a:picLocks noChangeAspect="1" noChangeArrowheads="1"/>
+          </p:cNvPicPr>
+          <p:nvPr/>
+        </p:nvPicPr>
+        <p:blipFill>
+          <a:blip r:embed="rId7">
+            <a:extLst>
+              <a:ext uri="{28A0092B-C50C-407E-A947-70E740481C1C}">
+                <a14:useLocalDpi xmlns:a14="http://schemas.microsoft.com/office/drawing/2010/main" val="0"/>
+              </a:ext>
+            </a:extLst>
+          </a:blip>
+          <a:srcRect/>
+          <a:stretch>
+            <a:fillRect/>
+          </a:stretch>
+        </p:blipFill>
+        <p:spPr bwMode="auto">
+          <a:xfrm>
+            <a:off x="7658928" y="2431609"/>
+            <a:ext cx="1809750" cy="1809750"/>
+          </a:xfrm>
+          <a:prstGeom prst="rect">
+            <a:avLst/>
+          </a:prstGeom>
+          <a:noFill/>
+          <a:extLst>
+            <a:ext uri="{909E8E84-426E-40DD-AFC4-6F175D3DCCD1}">
+              <a14:hiddenFill xmlns:a14="http://schemas.microsoft.com/office/drawing/2010/main">
+                <a:solidFill>
+                  <a:srgbClr val="FFFFFF"/>
+                </a:solidFill>
+              </a14:hiddenFill>
+            </a:ext>
+          </a:extLst>
+        </p:spPr>
+      </p:pic>
     </p:spTree>
     <p:extLst>
       <p:ext uri="{BB962C8B-B14F-4D97-AF65-F5344CB8AC3E}">
@@ -42341,13 +42043,6 @@
   <p:transition>
     <p:fade/>
   </p:transition>
-  <p:timing>
-    <p:tnLst>
-      <p:par>
-        <p:cTn id="1" dur="indefinite" restart="never" nodeType="tmRoot"/>
-      </p:par>
-    </p:tnLst>
-  </p:timing>
 </p:sld>
 </file>
 

--- a/FullStackOverview/FullStackOverview.pptx
+++ b/FullStackOverview/FullStackOverview.pptx
@@ -221,7 +221,7 @@
           <a:p>
             <a:fld id="{19104133-B5B0-4351-8158-4F0E5EB1E2BF}" type="datetimeFigureOut">
               <a:rPr lang="en-US" smtClean="0"/>
-              <a:t>1/19/2021</a:t>
+              <a:t>1/20/2021</a:t>
             </a:fld>
             <a:endParaRPr lang="en-US"/>
           </a:p>
@@ -1593,7 +1593,7 @@
             <a:fld id="{1C2D31DE-C454-491C-B5C3-F097855E3DF7}" type="datetime4">
               <a:rPr lang="en-US" smtClean="0"/>
               <a:pPr/>
-              <a:t>January 19, 2021</a:t>
+              <a:t>January 20, 2021</a:t>
             </a:fld>
             <a:endParaRPr lang="en-US" dirty="0"/>
           </a:p>
@@ -4985,7 +4985,7 @@
           <a:p>
             <a:fld id="{5958763E-B898-436D-883D-03711491D54A}" type="datetimeFigureOut">
               <a:rPr lang="en-US" smtClean="0"/>
-              <a:t>1/19/2021</a:t>
+              <a:t>1/20/2021</a:t>
             </a:fld>
             <a:endParaRPr lang="en-US"/>
           </a:p>
@@ -5178,7 +5178,7 @@
           <a:p>
             <a:fld id="{5958763E-B898-436D-883D-03711491D54A}" type="datetimeFigureOut">
               <a:rPr lang="en-US" smtClean="0"/>
-              <a:t>1/19/2021</a:t>
+              <a:t>1/20/2021</a:t>
             </a:fld>
             <a:endParaRPr lang="en-US"/>
           </a:p>
@@ -5428,7 +5428,7 @@
           <a:p>
             <a:fld id="{5958763E-B898-436D-883D-03711491D54A}" type="datetimeFigureOut">
               <a:rPr lang="en-US" smtClean="0"/>
-              <a:t>1/19/2021</a:t>
+              <a:t>1/20/2021</a:t>
             </a:fld>
             <a:endParaRPr lang="en-US"/>
           </a:p>
@@ -5776,7 +5776,7 @@
           <a:p>
             <a:fld id="{5958763E-B898-436D-883D-03711491D54A}" type="datetimeFigureOut">
               <a:rPr lang="en-US" smtClean="0"/>
-              <a:t>1/19/2021</a:t>
+              <a:t>1/20/2021</a:t>
             </a:fld>
             <a:endParaRPr lang="en-US"/>
           </a:p>
@@ -6192,7 +6192,7 @@
           <a:p>
             <a:fld id="{5958763E-B898-436D-883D-03711491D54A}" type="datetimeFigureOut">
               <a:rPr lang="en-US" smtClean="0"/>
-              <a:t>1/19/2021</a:t>
+              <a:t>1/20/2021</a:t>
             </a:fld>
             <a:endParaRPr lang="en-US"/>
           </a:p>
@@ -6693,7 +6693,7 @@
           <a:p>
             <a:fld id="{5958763E-B898-436D-883D-03711491D54A}" type="datetimeFigureOut">
               <a:rPr lang="en-US" smtClean="0"/>
-              <a:t>1/19/2021</a:t>
+              <a:t>1/20/2021</a:t>
             </a:fld>
             <a:endParaRPr lang="en-US"/>
           </a:p>
@@ -7144,7 +7144,7 @@
           <a:p>
             <a:fld id="{5958763E-B898-436D-883D-03711491D54A}" type="datetimeFigureOut">
               <a:rPr lang="en-US" smtClean="0"/>
-              <a:t>1/19/2021</a:t>
+              <a:t>1/20/2021</a:t>
             </a:fld>
             <a:endParaRPr lang="en-US"/>
           </a:p>
@@ -7755,7 +7755,7 @@
           <a:p>
             <a:fld id="{5958763E-B898-436D-883D-03711491D54A}" type="datetimeFigureOut">
               <a:rPr lang="en-US" smtClean="0"/>
-              <a:t>1/19/2021</a:t>
+              <a:t>1/20/2021</a:t>
             </a:fld>
             <a:endParaRPr lang="en-US"/>
           </a:p>
@@ -8526,7 +8526,7 @@
           <a:p>
             <a:fld id="{5958763E-B898-436D-883D-03711491D54A}" type="datetimeFigureOut">
               <a:rPr lang="en-US" smtClean="0"/>
-              <a:t>1/19/2021</a:t>
+              <a:t>1/20/2021</a:t>
             </a:fld>
             <a:endParaRPr lang="en-US"/>
           </a:p>
@@ -8630,7 +8630,7 @@
           <a:p>
             <a:fld id="{5958763E-B898-436D-883D-03711491D54A}" type="datetimeFigureOut">
               <a:rPr lang="en-US" smtClean="0"/>
-              <a:t>1/19/2021</a:t>
+              <a:t>1/20/2021</a:t>
             </a:fld>
             <a:endParaRPr lang="en-US"/>
           </a:p>
@@ -8957,7 +8957,7 @@
             <a:fld id="{1C2D31DE-C454-491C-B5C3-F097855E3DF7}" type="datetime4">
               <a:rPr lang="en-US" smtClean="0"/>
               <a:pPr/>
-              <a:t>January 19, 2021</a:t>
+              <a:t>January 20, 2021</a:t>
             </a:fld>
             <a:endParaRPr lang="en-US" dirty="0"/>
           </a:p>
@@ -12109,7 +12109,7 @@
           <a:p>
             <a:fld id="{5958763E-B898-436D-883D-03711491D54A}" type="datetimeFigureOut">
               <a:rPr lang="en-US" smtClean="0"/>
-              <a:t>1/19/2021</a:t>
+              <a:t>1/20/2021</a:t>
             </a:fld>
             <a:endParaRPr lang="en-US"/>
           </a:p>
@@ -12233,7 +12233,7 @@
           <a:p>
             <a:fld id="{5958763E-B898-436D-883D-03711491D54A}" type="datetimeFigureOut">
               <a:rPr lang="en-US" smtClean="0"/>
-              <a:t>1/19/2021</a:t>
+              <a:t>1/20/2021</a:t>
             </a:fld>
             <a:endParaRPr lang="en-US"/>
           </a:p>
@@ -12357,7 +12357,7 @@
           <a:p>
             <a:fld id="{5958763E-B898-436D-883D-03711491D54A}" type="datetimeFigureOut">
               <a:rPr lang="en-US" smtClean="0"/>
-              <a:t>1/19/2021</a:t>
+              <a:t>1/20/2021</a:t>
             </a:fld>
             <a:endParaRPr lang="en-US"/>
           </a:p>
@@ -12481,7 +12481,7 @@
           <a:p>
             <a:fld id="{5958763E-B898-436D-883D-03711491D54A}" type="datetimeFigureOut">
               <a:rPr lang="en-US" smtClean="0"/>
-              <a:t>1/19/2021</a:t>
+              <a:t>1/20/2021</a:t>
             </a:fld>
             <a:endParaRPr lang="en-US"/>
           </a:p>
@@ -12605,7 +12605,7 @@
           <a:p>
             <a:fld id="{5958763E-B898-436D-883D-03711491D54A}" type="datetimeFigureOut">
               <a:rPr lang="en-US" smtClean="0"/>
-              <a:t>1/19/2021</a:t>
+              <a:t>1/20/2021</a:t>
             </a:fld>
             <a:endParaRPr lang="en-US"/>
           </a:p>
@@ -12729,7 +12729,7 @@
           <a:p>
             <a:fld id="{5958763E-B898-436D-883D-03711491D54A}" type="datetimeFigureOut">
               <a:rPr lang="en-US" smtClean="0"/>
-              <a:t>1/19/2021</a:t>
+              <a:t>1/20/2021</a:t>
             </a:fld>
             <a:endParaRPr lang="en-US"/>
           </a:p>
@@ -12853,7 +12853,7 @@
           <a:p>
             <a:fld id="{5958763E-B898-436D-883D-03711491D54A}" type="datetimeFigureOut">
               <a:rPr lang="en-US" smtClean="0"/>
-              <a:t>1/19/2021</a:t>
+              <a:t>1/20/2021</a:t>
             </a:fld>
             <a:endParaRPr lang="en-US"/>
           </a:p>
@@ -12977,7 +12977,7 @@
           <a:p>
             <a:fld id="{5958763E-B898-436D-883D-03711491D54A}" type="datetimeFigureOut">
               <a:rPr lang="en-US" smtClean="0"/>
-              <a:t>1/19/2021</a:t>
+              <a:t>1/20/2021</a:t>
             </a:fld>
             <a:endParaRPr lang="en-US"/>
           </a:p>
@@ -13110,7 +13110,7 @@
           <a:p>
             <a:fld id="{5958763E-B898-436D-883D-03711491D54A}" type="datetimeFigureOut">
               <a:rPr lang="en-US" smtClean="0"/>
-              <a:t>1/19/2021</a:t>
+              <a:t>1/20/2021</a:t>
             </a:fld>
             <a:endParaRPr lang="en-US"/>
           </a:p>
@@ -16449,7 +16449,7 @@
             <a:fld id="{1C2D31DE-C454-491C-B5C3-F097855E3DF7}" type="datetime4">
               <a:rPr lang="en-US" smtClean="0"/>
               <a:pPr/>
-              <a:t>January 19, 2021</a:t>
+              <a:t>January 20, 2021</a:t>
             </a:fld>
             <a:endParaRPr lang="en-US" dirty="0"/>
           </a:p>
@@ -28685,7 +28685,7 @@
           <a:p>
             <a:fld id="{5958763E-B898-436D-883D-03711491D54A}" type="datetimeFigureOut">
               <a:rPr lang="en-US" smtClean="0"/>
-              <a:t>1/19/2021</a:t>
+              <a:t>1/20/2021</a:t>
             </a:fld>
             <a:endParaRPr lang="en-US"/>
           </a:p>
@@ -29087,7 +29087,7 @@
           <a:p>
             <a:fld id="{5958763E-B898-436D-883D-03711491D54A}" type="datetimeFigureOut">
               <a:rPr lang="en-US" smtClean="0"/>
-              <a:t>1/19/2021</a:t>
+              <a:t>1/20/2021</a:t>
             </a:fld>
             <a:endParaRPr lang="en-US"/>
           </a:p>
@@ -29381,7 +29381,7 @@
           <a:p>
             <a:fld id="{5958763E-B898-436D-883D-03711491D54A}" type="datetimeFigureOut">
               <a:rPr lang="en-US" smtClean="0"/>
-              <a:t>1/19/2021</a:t>
+              <a:t>1/20/2021</a:t>
             </a:fld>
             <a:endParaRPr lang="en-US"/>
           </a:p>
@@ -29582,7 +29582,7 @@
           <a:p>
             <a:fld id="{5958763E-B898-436D-883D-03711491D54A}" type="datetimeFigureOut">
               <a:rPr lang="en-US" smtClean="0"/>
-              <a:t>1/19/2021</a:t>
+              <a:t>1/20/2021</a:t>
             </a:fld>
             <a:endParaRPr lang="en-US"/>
           </a:p>
@@ -29843,7 +29843,7 @@
           <a:p>
             <a:fld id="{5958763E-B898-436D-883D-03711491D54A}" type="datetimeFigureOut">
               <a:rPr lang="en-US" smtClean="0"/>
-              <a:t>1/19/2021</a:t>
+              <a:t>1/20/2021</a:t>
             </a:fld>
             <a:endParaRPr lang="en-US"/>
           </a:p>
@@ -30351,7 +30351,7 @@
           <a:p>
             <a:fld id="{5958763E-B898-436D-883D-03711491D54A}" type="datetimeFigureOut">
               <a:rPr lang="en-US" smtClean="0"/>
-              <a:t>1/19/2021</a:t>
+              <a:t>1/20/2021</a:t>
             </a:fld>
             <a:endParaRPr lang="en-US"/>
           </a:p>
@@ -30830,7 +30830,7 @@
           <a:p>
             <a:fld id="{5958763E-B898-436D-883D-03711491D54A}" type="datetimeFigureOut">
               <a:rPr lang="en-US" smtClean="0"/>
-              <a:t>1/19/2021</a:t>
+              <a:t>1/20/2021</a:t>
             </a:fld>
             <a:endParaRPr lang="en-US"/>
           </a:p>
@@ -31649,7 +31649,7 @@
           <a:p>
             <a:fld id="{5958763E-B898-436D-883D-03711491D54A}" type="datetimeFigureOut">
               <a:rPr lang="en-US" smtClean="0"/>
-              <a:t>1/19/2021</a:t>
+              <a:t>1/20/2021</a:t>
             </a:fld>
             <a:endParaRPr lang="en-US"/>
           </a:p>
@@ -31850,7 +31850,7 @@
           <a:p>
             <a:fld id="{5958763E-B898-436D-883D-03711491D54A}" type="datetimeFigureOut">
               <a:rPr lang="en-US" smtClean="0"/>
-              <a:t>1/19/2021</a:t>
+              <a:t>1/20/2021</a:t>
             </a:fld>
             <a:endParaRPr lang="en-US"/>
           </a:p>
@@ -32185,7 +32185,7 @@
           <a:p>
             <a:fld id="{5958763E-B898-436D-883D-03711491D54A}" type="datetimeFigureOut">
               <a:rPr lang="en-US" smtClean="0"/>
-              <a:t>1/19/2021</a:t>
+              <a:t>1/20/2021</a:t>
             </a:fld>
             <a:endParaRPr lang="en-US"/>
           </a:p>
@@ -32415,7 +32415,7 @@
           <a:p>
             <a:fld id="{5958763E-B898-436D-883D-03711491D54A}" type="datetimeFigureOut">
               <a:rPr lang="en-US" smtClean="0"/>
-              <a:t>1/19/2021</a:t>
+              <a:t>1/20/2021</a:t>
             </a:fld>
             <a:endParaRPr lang="en-US"/>
           </a:p>
@@ -32659,7 +32659,7 @@
           <a:p>
             <a:fld id="{5958763E-B898-436D-883D-03711491D54A}" type="datetimeFigureOut">
               <a:rPr lang="en-US" smtClean="0"/>
-              <a:t>1/19/2021</a:t>
+              <a:t>1/20/2021</a:t>
             </a:fld>
             <a:endParaRPr lang="en-US"/>
           </a:p>
@@ -37230,7 +37230,23 @@
                   <a:srgbClr val="56565A"/>
                 </a:solidFill>
               </a:rPr>
-              <a:t>MySQL or Repl.it DB</a:t>
+              <a:t>MySQL</a:t>
+            </a:r>
+            <a:r>
+              <a:rPr lang="en-US" sz="2800" dirty="0">
+                <a:solidFill>
+                  <a:srgbClr val="56565A"/>
+                </a:solidFill>
+              </a:rPr>
+              <a:t> or </a:t>
+            </a:r>
+            <a:r>
+              <a:rPr lang="en-US" sz="2800" b="1" dirty="0">
+                <a:solidFill>
+                  <a:srgbClr val="56565A"/>
+                </a:solidFill>
+              </a:rPr>
+              <a:t>Repl.it DB</a:t>
             </a:r>
             <a:r>
               <a:rPr lang="en-US" sz="2800" dirty="0">
@@ -37258,7 +37274,7 @@
                   <a:srgbClr val="56565A"/>
                 </a:solidFill>
               </a:rPr>
-              <a:t>SQL </a:t>
+              <a:t>Queries</a:t>
             </a:r>
             <a:r>
               <a:rPr lang="en-US" sz="2800" dirty="0">
@@ -37266,23 +37282,7 @@
                   <a:srgbClr val="56565A"/>
                 </a:solidFill>
               </a:rPr>
-              <a:t>queries</a:t>
-            </a:r>
-            <a:r>
-              <a:rPr lang="en-US" sz="2800" b="1" dirty="0">
-                <a:solidFill>
-                  <a:srgbClr val="56565A"/>
-                </a:solidFill>
-              </a:rPr>
-              <a:t> </a:t>
-            </a:r>
-            <a:r>
-              <a:rPr lang="en-US" sz="2800" dirty="0">
-                <a:solidFill>
-                  <a:srgbClr val="56565A"/>
-                </a:solidFill>
-              </a:rPr>
-              <a:t>and </a:t>
+              <a:t> and </a:t>
             </a:r>
             <a:r>
               <a:rPr lang="en-US" sz="2800" b="1" dirty="0">
@@ -38370,7 +38370,7 @@
                   <a:srgbClr val="00586F"/>
                 </a:solidFill>
               </a:rPr>
-              <a:t>SQL Queries</a:t>
+              <a:t>Queries</a:t>
             </a:r>
           </a:p>
         </p:txBody>

--- a/FullStackOverview/FullStackOverview.pptx
+++ b/FullStackOverview/FullStackOverview.pptx
@@ -5,7 +5,7 @@
     <p:sldMasterId id="2147483648" r:id="rId1"/>
   </p:sldMasterIdLst>
   <p:notesMasterIdLst>
-    <p:notesMasterId r:id="rId16"/>
+    <p:notesMasterId r:id="rId17"/>
   </p:notesMasterIdLst>
   <p:sldIdLst>
     <p:sldId id="258" r:id="rId2"/>
@@ -22,6 +22,7 @@
     <p:sldId id="293" r:id="rId13"/>
     <p:sldId id="294" r:id="rId14"/>
     <p:sldId id="284" r:id="rId15"/>
+    <p:sldId id="295" r:id="rId16"/>
   </p:sldIdLst>
   <p:sldSz cx="12192000" cy="6858000"/>
   <p:notesSz cx="6858000" cy="9144000"/>
@@ -38473,6 +38474,67 @@
 </p:sld>
 </file>
 
+<file path=ppt/slides/slide15.xml><?xml version="1.0" encoding="utf-8"?>
+<p:sld xmlns:a="http://schemas.openxmlformats.org/drawingml/2006/main" xmlns:r="http://schemas.openxmlformats.org/officeDocument/2006/relationships" xmlns:p="http://schemas.openxmlformats.org/presentationml/2006/main">
+  <p:cSld>
+    <p:spTree>
+      <p:nvGrpSpPr>
+        <p:cNvPr id="1" name=""/>
+        <p:cNvGrpSpPr/>
+        <p:nvPr/>
+      </p:nvGrpSpPr>
+      <p:grpSpPr>
+        <a:xfrm>
+          <a:off x="0" y="0"/>
+          <a:ext cx="0" cy="0"/>
+          <a:chOff x="0" y="0"/>
+          <a:chExt cx="0" cy="0"/>
+        </a:xfrm>
+      </p:grpSpPr>
+      <p:sp>
+        <p:nvSpPr>
+          <p:cNvPr id="2" name="Text Placeholder 1">
+            <a:extLst>
+              <a:ext uri="{FF2B5EF4-FFF2-40B4-BE49-F238E27FC236}">
+                <a16:creationId xmlns:a16="http://schemas.microsoft.com/office/drawing/2014/main" id="{147D01C6-0115-46D8-B7FB-36824AF3AC4C}"/>
+              </a:ext>
+            </a:extLst>
+          </p:cNvPr>
+          <p:cNvSpPr>
+            <a:spLocks noGrp="1"/>
+          </p:cNvSpPr>
+          <p:nvPr>
+            <p:ph type="body" sz="quarter" idx="10"/>
+          </p:nvPr>
+        </p:nvSpPr>
+        <p:spPr/>
+        <p:txBody>
+          <a:bodyPr/>
+          <a:lstStyle/>
+          <a:p>
+            <a:r>
+              <a:rPr lang="en-US"/>
+              <a:t>Questions?</a:t>
+            </a:r>
+          </a:p>
+        </p:txBody>
+      </p:sp>
+    </p:spTree>
+    <p:extLst>
+      <p:ext uri="{BB962C8B-B14F-4D97-AF65-F5344CB8AC3E}">
+        <p14:creationId xmlns:p14="http://schemas.microsoft.com/office/powerpoint/2010/main" val="3577947020"/>
+      </p:ext>
+    </p:extLst>
+  </p:cSld>
+  <p:clrMapOvr>
+    <a:masterClrMapping/>
+  </p:clrMapOvr>
+  <p:transition>
+    <p:fade/>
+  </p:transition>
+</p:sld>
+</file>
+
 <file path=ppt/slides/slide2.xml><?xml version="1.0" encoding="utf-8"?>
 <p:sld xmlns:a="http://schemas.openxmlformats.org/drawingml/2006/main" xmlns:r="http://schemas.openxmlformats.org/officeDocument/2006/relationships" xmlns:p="http://schemas.openxmlformats.org/presentationml/2006/main">
   <p:cSld>

--- a/FullStackOverview/FullStackOverview.pptx
+++ b/FullStackOverview/FullStackOverview.pptx
@@ -5,7 +5,7 @@
     <p:sldMasterId id="2147483648" r:id="rId1"/>
   </p:sldMasterIdLst>
   <p:notesMasterIdLst>
-    <p:notesMasterId r:id="rId16"/>
+    <p:notesMasterId r:id="rId17"/>
   </p:notesMasterIdLst>
   <p:sldIdLst>
     <p:sldId id="258" r:id="rId2"/>
@@ -22,6 +22,7 @@
     <p:sldId id="293" r:id="rId13"/>
     <p:sldId id="294" r:id="rId14"/>
     <p:sldId id="284" r:id="rId15"/>
+    <p:sldId id="295" r:id="rId16"/>
   </p:sldIdLst>
   <p:sldSz cx="12192000" cy="6858000"/>
   <p:notesSz cx="6858000" cy="9144000"/>
@@ -221,7 +222,7 @@
           <a:p>
             <a:fld id="{19104133-B5B0-4351-8158-4F0E5EB1E2BF}" type="datetimeFigureOut">
               <a:rPr lang="en-US" smtClean="0"/>
-              <a:t>1/19/2021</a:t>
+              <a:t>1/20/2021</a:t>
             </a:fld>
             <a:endParaRPr lang="en-US"/>
           </a:p>
@@ -1593,7 +1594,7 @@
             <a:fld id="{1C2D31DE-C454-491C-B5C3-F097855E3DF7}" type="datetime4">
               <a:rPr lang="en-US" smtClean="0"/>
               <a:pPr/>
-              <a:t>January 19, 2021</a:t>
+              <a:t>January 20, 2021</a:t>
             </a:fld>
             <a:endParaRPr lang="en-US" dirty="0"/>
           </a:p>
@@ -4985,7 +4986,7 @@
           <a:p>
             <a:fld id="{5958763E-B898-436D-883D-03711491D54A}" type="datetimeFigureOut">
               <a:rPr lang="en-US" smtClean="0"/>
-              <a:t>1/19/2021</a:t>
+              <a:t>1/20/2021</a:t>
             </a:fld>
             <a:endParaRPr lang="en-US"/>
           </a:p>
@@ -5178,7 +5179,7 @@
           <a:p>
             <a:fld id="{5958763E-B898-436D-883D-03711491D54A}" type="datetimeFigureOut">
               <a:rPr lang="en-US" smtClean="0"/>
-              <a:t>1/19/2021</a:t>
+              <a:t>1/20/2021</a:t>
             </a:fld>
             <a:endParaRPr lang="en-US"/>
           </a:p>
@@ -5428,7 +5429,7 @@
           <a:p>
             <a:fld id="{5958763E-B898-436D-883D-03711491D54A}" type="datetimeFigureOut">
               <a:rPr lang="en-US" smtClean="0"/>
-              <a:t>1/19/2021</a:t>
+              <a:t>1/20/2021</a:t>
             </a:fld>
             <a:endParaRPr lang="en-US"/>
           </a:p>
@@ -5776,7 +5777,7 @@
           <a:p>
             <a:fld id="{5958763E-B898-436D-883D-03711491D54A}" type="datetimeFigureOut">
               <a:rPr lang="en-US" smtClean="0"/>
-              <a:t>1/19/2021</a:t>
+              <a:t>1/20/2021</a:t>
             </a:fld>
             <a:endParaRPr lang="en-US"/>
           </a:p>
@@ -6192,7 +6193,7 @@
           <a:p>
             <a:fld id="{5958763E-B898-436D-883D-03711491D54A}" type="datetimeFigureOut">
               <a:rPr lang="en-US" smtClean="0"/>
-              <a:t>1/19/2021</a:t>
+              <a:t>1/20/2021</a:t>
             </a:fld>
             <a:endParaRPr lang="en-US"/>
           </a:p>
@@ -6693,7 +6694,7 @@
           <a:p>
             <a:fld id="{5958763E-B898-436D-883D-03711491D54A}" type="datetimeFigureOut">
               <a:rPr lang="en-US" smtClean="0"/>
-              <a:t>1/19/2021</a:t>
+              <a:t>1/20/2021</a:t>
             </a:fld>
             <a:endParaRPr lang="en-US"/>
           </a:p>
@@ -7144,7 +7145,7 @@
           <a:p>
             <a:fld id="{5958763E-B898-436D-883D-03711491D54A}" type="datetimeFigureOut">
               <a:rPr lang="en-US" smtClean="0"/>
-              <a:t>1/19/2021</a:t>
+              <a:t>1/20/2021</a:t>
             </a:fld>
             <a:endParaRPr lang="en-US"/>
           </a:p>
@@ -7755,7 +7756,7 @@
           <a:p>
             <a:fld id="{5958763E-B898-436D-883D-03711491D54A}" type="datetimeFigureOut">
               <a:rPr lang="en-US" smtClean="0"/>
-              <a:t>1/19/2021</a:t>
+              <a:t>1/20/2021</a:t>
             </a:fld>
             <a:endParaRPr lang="en-US"/>
           </a:p>
@@ -8526,7 +8527,7 @@
           <a:p>
             <a:fld id="{5958763E-B898-436D-883D-03711491D54A}" type="datetimeFigureOut">
               <a:rPr lang="en-US" smtClean="0"/>
-              <a:t>1/19/2021</a:t>
+              <a:t>1/20/2021</a:t>
             </a:fld>
             <a:endParaRPr lang="en-US"/>
           </a:p>
@@ -8630,7 +8631,7 @@
           <a:p>
             <a:fld id="{5958763E-B898-436D-883D-03711491D54A}" type="datetimeFigureOut">
               <a:rPr lang="en-US" smtClean="0"/>
-              <a:t>1/19/2021</a:t>
+              <a:t>1/20/2021</a:t>
             </a:fld>
             <a:endParaRPr lang="en-US"/>
           </a:p>
@@ -8957,7 +8958,7 @@
             <a:fld id="{1C2D31DE-C454-491C-B5C3-F097855E3DF7}" type="datetime4">
               <a:rPr lang="en-US" smtClean="0"/>
               <a:pPr/>
-              <a:t>January 19, 2021</a:t>
+              <a:t>January 20, 2021</a:t>
             </a:fld>
             <a:endParaRPr lang="en-US" dirty="0"/>
           </a:p>
@@ -12109,7 +12110,7 @@
           <a:p>
             <a:fld id="{5958763E-B898-436D-883D-03711491D54A}" type="datetimeFigureOut">
               <a:rPr lang="en-US" smtClean="0"/>
-              <a:t>1/19/2021</a:t>
+              <a:t>1/20/2021</a:t>
             </a:fld>
             <a:endParaRPr lang="en-US"/>
           </a:p>
@@ -12233,7 +12234,7 @@
           <a:p>
             <a:fld id="{5958763E-B898-436D-883D-03711491D54A}" type="datetimeFigureOut">
               <a:rPr lang="en-US" smtClean="0"/>
-              <a:t>1/19/2021</a:t>
+              <a:t>1/20/2021</a:t>
             </a:fld>
             <a:endParaRPr lang="en-US"/>
           </a:p>
@@ -12357,7 +12358,7 @@
           <a:p>
             <a:fld id="{5958763E-B898-436D-883D-03711491D54A}" type="datetimeFigureOut">
               <a:rPr lang="en-US" smtClean="0"/>
-              <a:t>1/19/2021</a:t>
+              <a:t>1/20/2021</a:t>
             </a:fld>
             <a:endParaRPr lang="en-US"/>
           </a:p>
@@ -12481,7 +12482,7 @@
           <a:p>
             <a:fld id="{5958763E-B898-436D-883D-03711491D54A}" type="datetimeFigureOut">
               <a:rPr lang="en-US" smtClean="0"/>
-              <a:t>1/19/2021</a:t>
+              <a:t>1/20/2021</a:t>
             </a:fld>
             <a:endParaRPr lang="en-US"/>
           </a:p>
@@ -12605,7 +12606,7 @@
           <a:p>
             <a:fld id="{5958763E-B898-436D-883D-03711491D54A}" type="datetimeFigureOut">
               <a:rPr lang="en-US" smtClean="0"/>
-              <a:t>1/19/2021</a:t>
+              <a:t>1/20/2021</a:t>
             </a:fld>
             <a:endParaRPr lang="en-US"/>
           </a:p>
@@ -12729,7 +12730,7 @@
           <a:p>
             <a:fld id="{5958763E-B898-436D-883D-03711491D54A}" type="datetimeFigureOut">
               <a:rPr lang="en-US" smtClean="0"/>
-              <a:t>1/19/2021</a:t>
+              <a:t>1/20/2021</a:t>
             </a:fld>
             <a:endParaRPr lang="en-US"/>
           </a:p>
@@ -12853,7 +12854,7 @@
           <a:p>
             <a:fld id="{5958763E-B898-436D-883D-03711491D54A}" type="datetimeFigureOut">
               <a:rPr lang="en-US" smtClean="0"/>
-              <a:t>1/19/2021</a:t>
+              <a:t>1/20/2021</a:t>
             </a:fld>
             <a:endParaRPr lang="en-US"/>
           </a:p>
@@ -12977,7 +12978,7 @@
           <a:p>
             <a:fld id="{5958763E-B898-436D-883D-03711491D54A}" type="datetimeFigureOut">
               <a:rPr lang="en-US" smtClean="0"/>
-              <a:t>1/19/2021</a:t>
+              <a:t>1/20/2021</a:t>
             </a:fld>
             <a:endParaRPr lang="en-US"/>
           </a:p>
@@ -13110,7 +13111,7 @@
           <a:p>
             <a:fld id="{5958763E-B898-436D-883D-03711491D54A}" type="datetimeFigureOut">
               <a:rPr lang="en-US" smtClean="0"/>
-              <a:t>1/19/2021</a:t>
+              <a:t>1/20/2021</a:t>
             </a:fld>
             <a:endParaRPr lang="en-US"/>
           </a:p>
@@ -16449,7 +16450,7 @@
             <a:fld id="{1C2D31DE-C454-491C-B5C3-F097855E3DF7}" type="datetime4">
               <a:rPr lang="en-US" smtClean="0"/>
               <a:pPr/>
-              <a:t>January 19, 2021</a:t>
+              <a:t>January 20, 2021</a:t>
             </a:fld>
             <a:endParaRPr lang="en-US" dirty="0"/>
           </a:p>
@@ -28685,7 +28686,7 @@
           <a:p>
             <a:fld id="{5958763E-B898-436D-883D-03711491D54A}" type="datetimeFigureOut">
               <a:rPr lang="en-US" smtClean="0"/>
-              <a:t>1/19/2021</a:t>
+              <a:t>1/20/2021</a:t>
             </a:fld>
             <a:endParaRPr lang="en-US"/>
           </a:p>
@@ -29087,7 +29088,7 @@
           <a:p>
             <a:fld id="{5958763E-B898-436D-883D-03711491D54A}" type="datetimeFigureOut">
               <a:rPr lang="en-US" smtClean="0"/>
-              <a:t>1/19/2021</a:t>
+              <a:t>1/20/2021</a:t>
             </a:fld>
             <a:endParaRPr lang="en-US"/>
           </a:p>
@@ -29381,7 +29382,7 @@
           <a:p>
             <a:fld id="{5958763E-B898-436D-883D-03711491D54A}" type="datetimeFigureOut">
               <a:rPr lang="en-US" smtClean="0"/>
-              <a:t>1/19/2021</a:t>
+              <a:t>1/20/2021</a:t>
             </a:fld>
             <a:endParaRPr lang="en-US"/>
           </a:p>
@@ -29582,7 +29583,7 @@
           <a:p>
             <a:fld id="{5958763E-B898-436D-883D-03711491D54A}" type="datetimeFigureOut">
               <a:rPr lang="en-US" smtClean="0"/>
-              <a:t>1/19/2021</a:t>
+              <a:t>1/20/2021</a:t>
             </a:fld>
             <a:endParaRPr lang="en-US"/>
           </a:p>
@@ -29843,7 +29844,7 @@
           <a:p>
             <a:fld id="{5958763E-B898-436D-883D-03711491D54A}" type="datetimeFigureOut">
               <a:rPr lang="en-US" smtClean="0"/>
-              <a:t>1/19/2021</a:t>
+              <a:t>1/20/2021</a:t>
             </a:fld>
             <a:endParaRPr lang="en-US"/>
           </a:p>
@@ -30351,7 +30352,7 @@
           <a:p>
             <a:fld id="{5958763E-B898-436D-883D-03711491D54A}" type="datetimeFigureOut">
               <a:rPr lang="en-US" smtClean="0"/>
-              <a:t>1/19/2021</a:t>
+              <a:t>1/20/2021</a:t>
             </a:fld>
             <a:endParaRPr lang="en-US"/>
           </a:p>
@@ -30830,7 +30831,7 @@
           <a:p>
             <a:fld id="{5958763E-B898-436D-883D-03711491D54A}" type="datetimeFigureOut">
               <a:rPr lang="en-US" smtClean="0"/>
-              <a:t>1/19/2021</a:t>
+              <a:t>1/20/2021</a:t>
             </a:fld>
             <a:endParaRPr lang="en-US"/>
           </a:p>
@@ -31649,7 +31650,7 @@
           <a:p>
             <a:fld id="{5958763E-B898-436D-883D-03711491D54A}" type="datetimeFigureOut">
               <a:rPr lang="en-US" smtClean="0"/>
-              <a:t>1/19/2021</a:t>
+              <a:t>1/20/2021</a:t>
             </a:fld>
             <a:endParaRPr lang="en-US"/>
           </a:p>
@@ -31850,7 +31851,7 @@
           <a:p>
             <a:fld id="{5958763E-B898-436D-883D-03711491D54A}" type="datetimeFigureOut">
               <a:rPr lang="en-US" smtClean="0"/>
-              <a:t>1/19/2021</a:t>
+              <a:t>1/20/2021</a:t>
             </a:fld>
             <a:endParaRPr lang="en-US"/>
           </a:p>
@@ -32185,7 +32186,7 @@
           <a:p>
             <a:fld id="{5958763E-B898-436D-883D-03711491D54A}" type="datetimeFigureOut">
               <a:rPr lang="en-US" smtClean="0"/>
-              <a:t>1/19/2021</a:t>
+              <a:t>1/20/2021</a:t>
             </a:fld>
             <a:endParaRPr lang="en-US"/>
           </a:p>
@@ -32415,7 +32416,7 @@
           <a:p>
             <a:fld id="{5958763E-B898-436D-883D-03711491D54A}" type="datetimeFigureOut">
               <a:rPr lang="en-US" smtClean="0"/>
-              <a:t>1/19/2021</a:t>
+              <a:t>1/20/2021</a:t>
             </a:fld>
             <a:endParaRPr lang="en-US"/>
           </a:p>
@@ -32659,7 +32660,7 @@
           <a:p>
             <a:fld id="{5958763E-B898-436D-883D-03711491D54A}" type="datetimeFigureOut">
               <a:rPr lang="en-US" smtClean="0"/>
-              <a:t>1/19/2021</a:t>
+              <a:t>1/20/2021</a:t>
             </a:fld>
             <a:endParaRPr lang="en-US"/>
           </a:p>
@@ -37230,7 +37231,23 @@
                   <a:srgbClr val="56565A"/>
                 </a:solidFill>
               </a:rPr>
-              <a:t>MySQL or Repl.it DB</a:t>
+              <a:t>MySQL</a:t>
+            </a:r>
+            <a:r>
+              <a:rPr lang="en-US" sz="2800" dirty="0">
+                <a:solidFill>
+                  <a:srgbClr val="56565A"/>
+                </a:solidFill>
+              </a:rPr>
+              <a:t> or </a:t>
+            </a:r>
+            <a:r>
+              <a:rPr lang="en-US" sz="2800" b="1" dirty="0">
+                <a:solidFill>
+                  <a:srgbClr val="56565A"/>
+                </a:solidFill>
+              </a:rPr>
+              <a:t>Repl.it DB</a:t>
             </a:r>
             <a:r>
               <a:rPr lang="en-US" sz="2800" dirty="0">
@@ -37258,7 +37275,7 @@
                   <a:srgbClr val="56565A"/>
                 </a:solidFill>
               </a:rPr>
-              <a:t>SQL </a:t>
+              <a:t>Queries</a:t>
             </a:r>
             <a:r>
               <a:rPr lang="en-US" sz="2800" dirty="0">
@@ -37266,23 +37283,7 @@
                   <a:srgbClr val="56565A"/>
                 </a:solidFill>
               </a:rPr>
-              <a:t>queries</a:t>
-            </a:r>
-            <a:r>
-              <a:rPr lang="en-US" sz="2800" b="1" dirty="0">
-                <a:solidFill>
-                  <a:srgbClr val="56565A"/>
-                </a:solidFill>
-              </a:rPr>
-              <a:t> </a:t>
-            </a:r>
-            <a:r>
-              <a:rPr lang="en-US" sz="2800" dirty="0">
-                <a:solidFill>
-                  <a:srgbClr val="56565A"/>
-                </a:solidFill>
-              </a:rPr>
-              <a:t>and </a:t>
+              <a:t> and </a:t>
             </a:r>
             <a:r>
               <a:rPr lang="en-US" sz="2800" b="1" dirty="0">
@@ -38370,7 +38371,7 @@
                   <a:srgbClr val="00586F"/>
                 </a:solidFill>
               </a:rPr>
-              <a:t>SQL Queries</a:t>
+              <a:t>Queries</a:t>
             </a:r>
           </a:p>
         </p:txBody>
@@ -38461,6 +38462,67 @@
     <p:extLst>
       <p:ext uri="{BB962C8B-B14F-4D97-AF65-F5344CB8AC3E}">
         <p14:creationId xmlns:p14="http://schemas.microsoft.com/office/powerpoint/2010/main" val="1707383134"/>
+      </p:ext>
+    </p:extLst>
+  </p:cSld>
+  <p:clrMapOvr>
+    <a:masterClrMapping/>
+  </p:clrMapOvr>
+  <p:transition>
+    <p:fade/>
+  </p:transition>
+</p:sld>
+</file>
+
+<file path=ppt/slides/slide15.xml><?xml version="1.0" encoding="utf-8"?>
+<p:sld xmlns:a="http://schemas.openxmlformats.org/drawingml/2006/main" xmlns:r="http://schemas.openxmlformats.org/officeDocument/2006/relationships" xmlns:p="http://schemas.openxmlformats.org/presentationml/2006/main">
+  <p:cSld>
+    <p:spTree>
+      <p:nvGrpSpPr>
+        <p:cNvPr id="1" name=""/>
+        <p:cNvGrpSpPr/>
+        <p:nvPr/>
+      </p:nvGrpSpPr>
+      <p:grpSpPr>
+        <a:xfrm>
+          <a:off x="0" y="0"/>
+          <a:ext cx="0" cy="0"/>
+          <a:chOff x="0" y="0"/>
+          <a:chExt cx="0" cy="0"/>
+        </a:xfrm>
+      </p:grpSpPr>
+      <p:sp>
+        <p:nvSpPr>
+          <p:cNvPr id="2" name="Text Placeholder 1">
+            <a:extLst>
+              <a:ext uri="{FF2B5EF4-FFF2-40B4-BE49-F238E27FC236}">
+                <a16:creationId xmlns:a16="http://schemas.microsoft.com/office/drawing/2014/main" id="{147D01C6-0115-46D8-B7FB-36824AF3AC4C}"/>
+              </a:ext>
+            </a:extLst>
+          </p:cNvPr>
+          <p:cNvSpPr>
+            <a:spLocks noGrp="1"/>
+          </p:cNvSpPr>
+          <p:nvPr>
+            <p:ph type="body" sz="quarter" idx="10"/>
+          </p:nvPr>
+        </p:nvSpPr>
+        <p:spPr/>
+        <p:txBody>
+          <a:bodyPr/>
+          <a:lstStyle/>
+          <a:p>
+            <a:r>
+              <a:rPr lang="en-US"/>
+              <a:t>Questions?</a:t>
+            </a:r>
+          </a:p>
+        </p:txBody>
+      </p:sp>
+    </p:spTree>
+    <p:extLst>
+      <p:ext uri="{BB962C8B-B14F-4D97-AF65-F5344CB8AC3E}">
+        <p14:creationId xmlns:p14="http://schemas.microsoft.com/office/powerpoint/2010/main" val="3577947020"/>
       </p:ext>
     </p:extLst>
   </p:cSld>
